--- a/Programming ppt.pptx
+++ b/Programming ppt.pptx
@@ -17,7 +17,7 @@
   <p:notesSz cx="6858000" cy="9144000"/>
   <p:defaultTextStyle>
     <a:defPPr>
-      <a:defRPr lang="en-FI"/>
+      <a:defRPr lang="x-none"/>
     </a:defPPr>
     <a:lvl1pPr marL="0" algn="l" defTabSz="914400" rtl="0" eaLnBrk="1" latinLnBrk="0" hangingPunct="1">
       <a:defRPr sz="1800" kern="1200">
@@ -110,6 +110,11 @@
       </a:defRPr>
     </a:lvl9pPr>
   </p:defaultTextStyle>
+  <p:extLst>
+    <p:ext uri="{EFAFB233-063F-42B5-8137-9DF3F51BA10A}">
+      <p15:sldGuideLst xmlns:p15="http://schemas.microsoft.com/office/powerpoint/2012/main"/>
+    </p:ext>
+  </p:extLst>
 </p:presentation>
 </file>
 
@@ -189,7 +194,7 @@
           <p:cNvPr id="2" name="Title 1">
             <a:extLst>
               <a:ext uri="{FF2B5EF4-FFF2-40B4-BE49-F238E27FC236}">
-                <a16:creationId xmlns:a16="http://schemas.microsoft.com/office/drawing/2014/main" id="{8EEE56D6-F195-48D7-978E-7EE16D430469}"/>
+                <a16:creationId xmlns:a16="http://schemas.microsoft.com/office/drawing/2014/main" xmlns="" id="{8EEE56D6-F195-48D7-978E-7EE16D430469}"/>
               </a:ext>
             </a:extLst>
           </p:cNvPr>
@@ -232,7 +237,7 @@
           <p:cNvPr id="3" name="Subtitle 2">
             <a:extLst>
               <a:ext uri="{FF2B5EF4-FFF2-40B4-BE49-F238E27FC236}">
-                <a16:creationId xmlns:a16="http://schemas.microsoft.com/office/drawing/2014/main" id="{10A72F42-5C88-4F7D-803B-C371B570D784}"/>
+                <a16:creationId xmlns:a16="http://schemas.microsoft.com/office/drawing/2014/main" xmlns="" id="{10A72F42-5C88-4F7D-803B-C371B570D784}"/>
               </a:ext>
             </a:extLst>
           </p:cNvPr>
@@ -308,7 +313,7 @@
           <p:cNvPr id="4" name="Date Placeholder 3">
             <a:extLst>
               <a:ext uri="{FF2B5EF4-FFF2-40B4-BE49-F238E27FC236}">
-                <a16:creationId xmlns:a16="http://schemas.microsoft.com/office/drawing/2014/main" id="{7A0384F3-2D6A-49F6-8F79-F3955E90484E}"/>
+                <a16:creationId xmlns:a16="http://schemas.microsoft.com/office/drawing/2014/main" xmlns="" id="{7A0384F3-2D6A-49F6-8F79-F3955E90484E}"/>
               </a:ext>
             </a:extLst>
           </p:cNvPr>
@@ -326,7 +331,7 @@
           <a:p>
             <a:fld id="{91F9259A-1FE3-4FF9-8A07-BDD8177164ED}" type="datetime4">
               <a:rPr lang="en-US" smtClean="0"/>
-              <a:t>May 22, 2024</a:t>
+              <a:t>May 23, 2024</a:t>
             </a:fld>
             <a:endParaRPr lang="en-US"/>
           </a:p>
@@ -337,7 +342,7 @@
           <p:cNvPr id="5" name="Footer Placeholder 4">
             <a:extLst>
               <a:ext uri="{FF2B5EF4-FFF2-40B4-BE49-F238E27FC236}">
-                <a16:creationId xmlns:a16="http://schemas.microsoft.com/office/drawing/2014/main" id="{95363F32-CD31-4801-BAE4-09EEB1262997}"/>
+                <a16:creationId xmlns:a16="http://schemas.microsoft.com/office/drawing/2014/main" xmlns="" id="{95363F32-CD31-4801-BAE4-09EEB1262997}"/>
               </a:ext>
             </a:extLst>
           </p:cNvPr>
@@ -362,7 +367,7 @@
           <p:cNvPr id="6" name="Slide Number Placeholder 5">
             <a:extLst>
               <a:ext uri="{FF2B5EF4-FFF2-40B4-BE49-F238E27FC236}">
-                <a16:creationId xmlns:a16="http://schemas.microsoft.com/office/drawing/2014/main" id="{6FD5D34C-49ED-4ADB-8693-73B790764F39}"/>
+                <a16:creationId xmlns:a16="http://schemas.microsoft.com/office/drawing/2014/main" xmlns="" id="{6FD5D34C-49ED-4ADB-8693-73B790764F39}"/>
               </a:ext>
             </a:extLst>
           </p:cNvPr>
@@ -421,7 +426,7 @@
           <p:cNvPr id="3" name="Vertical Text Placeholder 2">
             <a:extLst>
               <a:ext uri="{FF2B5EF4-FFF2-40B4-BE49-F238E27FC236}">
-                <a16:creationId xmlns:a16="http://schemas.microsoft.com/office/drawing/2014/main" id="{BF0171A2-02C1-4543-8B6B-FCF7E69712DF}"/>
+                <a16:creationId xmlns:a16="http://schemas.microsoft.com/office/drawing/2014/main" xmlns="" id="{BF0171A2-02C1-4543-8B6B-FCF7E69712DF}"/>
               </a:ext>
             </a:extLst>
           </p:cNvPr>
@@ -483,7 +488,7 @@
           <p:cNvPr id="4" name="Date Placeholder 3">
             <a:extLst>
               <a:ext uri="{FF2B5EF4-FFF2-40B4-BE49-F238E27FC236}">
-                <a16:creationId xmlns:a16="http://schemas.microsoft.com/office/drawing/2014/main" id="{3F95027C-A386-44E4-AFE1-33AFFDA3AD8F}"/>
+                <a16:creationId xmlns:a16="http://schemas.microsoft.com/office/drawing/2014/main" xmlns="" id="{3F95027C-A386-44E4-AFE1-33AFFDA3AD8F}"/>
               </a:ext>
             </a:extLst>
           </p:cNvPr>
@@ -501,7 +506,7 @@
           <a:p>
             <a:fld id="{E5CC3C8F-D4A7-4EAD-92AD-82C91CB8BB85}" type="datetime4">
               <a:rPr lang="en-US" smtClean="0"/>
-              <a:t>May 22, 2024</a:t>
+              <a:t>May 23, 2024</a:t>
             </a:fld>
             <a:endParaRPr lang="en-US"/>
           </a:p>
@@ -512,7 +517,7 @@
           <p:cNvPr id="5" name="Footer Placeholder 4">
             <a:extLst>
               <a:ext uri="{FF2B5EF4-FFF2-40B4-BE49-F238E27FC236}">
-                <a16:creationId xmlns:a16="http://schemas.microsoft.com/office/drawing/2014/main" id="{FB1BF710-0558-4457-825D-48713CAED3D0}"/>
+                <a16:creationId xmlns:a16="http://schemas.microsoft.com/office/drawing/2014/main" xmlns="" id="{FB1BF710-0558-4457-825D-48713CAED3D0}"/>
               </a:ext>
             </a:extLst>
           </p:cNvPr>
@@ -537,7 +542,7 @@
           <p:cNvPr id="6" name="Slide Number Placeholder 5">
             <a:extLst>
               <a:ext uri="{FF2B5EF4-FFF2-40B4-BE49-F238E27FC236}">
-                <a16:creationId xmlns:a16="http://schemas.microsoft.com/office/drawing/2014/main" id="{D7A7F93D-5DC3-4C36-AEB0-79CDB15C316A}"/>
+                <a16:creationId xmlns:a16="http://schemas.microsoft.com/office/drawing/2014/main" xmlns="" id="{D7A7F93D-5DC3-4C36-AEB0-79CDB15C316A}"/>
               </a:ext>
             </a:extLst>
           </p:cNvPr>
@@ -566,7 +571,7 @@
           <p:cNvPr id="7" name="Title 6">
             <a:extLst>
               <a:ext uri="{FF2B5EF4-FFF2-40B4-BE49-F238E27FC236}">
-                <a16:creationId xmlns:a16="http://schemas.microsoft.com/office/drawing/2014/main" id="{87CFC0C8-11FE-4003-B2D6-B7B8E2790566}"/>
+                <a16:creationId xmlns:a16="http://schemas.microsoft.com/office/drawing/2014/main" xmlns="" id="{87CFC0C8-11FE-4003-B2D6-B7B8E2790566}"/>
               </a:ext>
             </a:extLst>
           </p:cNvPr>
@@ -624,7 +629,7 @@
           <p:cNvPr id="2" name="Vertical Title 1">
             <a:extLst>
               <a:ext uri="{FF2B5EF4-FFF2-40B4-BE49-F238E27FC236}">
-                <a16:creationId xmlns:a16="http://schemas.microsoft.com/office/drawing/2014/main" id="{ACEB41C5-3638-439D-BA61-4DAA142226E8}"/>
+                <a16:creationId xmlns:a16="http://schemas.microsoft.com/office/drawing/2014/main" xmlns="" id="{ACEB41C5-3638-439D-BA61-4DAA142226E8}"/>
               </a:ext>
             </a:extLst>
           </p:cNvPr>
@@ -657,7 +662,7 @@
           <p:cNvPr id="3" name="Vertical Text Placeholder 2">
             <a:extLst>
               <a:ext uri="{FF2B5EF4-FFF2-40B4-BE49-F238E27FC236}">
-                <a16:creationId xmlns:a16="http://schemas.microsoft.com/office/drawing/2014/main" id="{E99B91A0-A376-483C-926E-189F376E5520}"/>
+                <a16:creationId xmlns:a16="http://schemas.microsoft.com/office/drawing/2014/main" xmlns="" id="{E99B91A0-A376-483C-926E-189F376E5520}"/>
               </a:ext>
             </a:extLst>
           </p:cNvPr>
@@ -720,7 +725,7 @@
           <p:cNvPr id="4" name="Date Placeholder 3">
             <a:extLst>
               <a:ext uri="{FF2B5EF4-FFF2-40B4-BE49-F238E27FC236}">
-                <a16:creationId xmlns:a16="http://schemas.microsoft.com/office/drawing/2014/main" id="{FA14134E-B7D5-4664-BB2E-6A98ED630A9F}"/>
+                <a16:creationId xmlns:a16="http://schemas.microsoft.com/office/drawing/2014/main" xmlns="" id="{FA14134E-B7D5-4664-BB2E-6A98ED630A9F}"/>
               </a:ext>
             </a:extLst>
           </p:cNvPr>
@@ -738,7 +743,7 @@
           <a:p>
             <a:fld id="{BC011D41-E33C-4BC7-8272-37E8417FD097}" type="datetime4">
               <a:rPr lang="en-US" smtClean="0"/>
-              <a:t>May 22, 2024</a:t>
+              <a:t>May 23, 2024</a:t>
             </a:fld>
             <a:endParaRPr lang="en-US"/>
           </a:p>
@@ -749,7 +754,7 @@
           <p:cNvPr id="5" name="Footer Placeholder 4">
             <a:extLst>
               <a:ext uri="{FF2B5EF4-FFF2-40B4-BE49-F238E27FC236}">
-                <a16:creationId xmlns:a16="http://schemas.microsoft.com/office/drawing/2014/main" id="{92A54E2A-B1CE-4F2E-9D9A-D47E514D59A8}"/>
+                <a16:creationId xmlns:a16="http://schemas.microsoft.com/office/drawing/2014/main" xmlns="" id="{92A54E2A-B1CE-4F2E-9D9A-D47E514D59A8}"/>
               </a:ext>
             </a:extLst>
           </p:cNvPr>
@@ -774,7 +779,7 @@
           <p:cNvPr id="6" name="Slide Number Placeholder 5">
             <a:extLst>
               <a:ext uri="{FF2B5EF4-FFF2-40B4-BE49-F238E27FC236}">
-                <a16:creationId xmlns:a16="http://schemas.microsoft.com/office/drawing/2014/main" id="{0EE7C304-46A8-4179-87A2-B8CC10BAAFAE}"/>
+                <a16:creationId xmlns:a16="http://schemas.microsoft.com/office/drawing/2014/main" xmlns="" id="{0EE7C304-46A8-4179-87A2-B8CC10BAAFAE}"/>
               </a:ext>
             </a:extLst>
           </p:cNvPr>
@@ -833,7 +838,7 @@
           <p:cNvPr id="2" name="Title 1">
             <a:extLst>
               <a:ext uri="{FF2B5EF4-FFF2-40B4-BE49-F238E27FC236}">
-                <a16:creationId xmlns:a16="http://schemas.microsoft.com/office/drawing/2014/main" id="{74A7B333-9E16-4502-96B5-3F586B7E0030}"/>
+                <a16:creationId xmlns:a16="http://schemas.microsoft.com/office/drawing/2014/main" xmlns="" id="{74A7B333-9E16-4502-96B5-3F586B7E0030}"/>
               </a:ext>
             </a:extLst>
           </p:cNvPr>
@@ -862,7 +867,7 @@
           <p:cNvPr id="3" name="Content Placeholder 2">
             <a:extLst>
               <a:ext uri="{FF2B5EF4-FFF2-40B4-BE49-F238E27FC236}">
-                <a16:creationId xmlns:a16="http://schemas.microsoft.com/office/drawing/2014/main" id="{A6ED0795-5EC7-4FF8-9FC7-22AFA3C552FA}"/>
+                <a16:creationId xmlns:a16="http://schemas.microsoft.com/office/drawing/2014/main" xmlns="" id="{A6ED0795-5EC7-4FF8-9FC7-22AFA3C552FA}"/>
               </a:ext>
             </a:extLst>
           </p:cNvPr>
@@ -920,7 +925,7 @@
           <p:cNvPr id="4" name="Date Placeholder 3">
             <a:extLst>
               <a:ext uri="{FF2B5EF4-FFF2-40B4-BE49-F238E27FC236}">
-                <a16:creationId xmlns:a16="http://schemas.microsoft.com/office/drawing/2014/main" id="{46A2DA5B-9862-4A23-8FEC-5C1ABC2EEF1B}"/>
+                <a16:creationId xmlns:a16="http://schemas.microsoft.com/office/drawing/2014/main" xmlns="" id="{46A2DA5B-9862-4A23-8FEC-5C1ABC2EEF1B}"/>
               </a:ext>
             </a:extLst>
           </p:cNvPr>
@@ -943,7 +948,7 @@
           <a:p>
             <a:fld id="{5D340FED-6E95-4177-A7EF-CD303B9E611D}" type="datetime4">
               <a:rPr lang="en-US" smtClean="0"/>
-              <a:t>May 22, 2024</a:t>
+              <a:t>May 23, 2024</a:t>
             </a:fld>
             <a:endParaRPr lang="en-US"/>
           </a:p>
@@ -954,7 +959,7 @@
           <p:cNvPr id="5" name="Footer Placeholder 4">
             <a:extLst>
               <a:ext uri="{FF2B5EF4-FFF2-40B4-BE49-F238E27FC236}">
-                <a16:creationId xmlns:a16="http://schemas.microsoft.com/office/drawing/2014/main" id="{C63D9A4B-0DA7-46BB-9DCE-3F26075C44C6}"/>
+                <a16:creationId xmlns:a16="http://schemas.microsoft.com/office/drawing/2014/main" xmlns="" id="{C63D9A4B-0DA7-46BB-9DCE-3F26075C44C6}"/>
               </a:ext>
             </a:extLst>
           </p:cNvPr>
@@ -984,7 +989,7 @@
           <p:cNvPr id="6" name="Slide Number Placeholder 5">
             <a:extLst>
               <a:ext uri="{FF2B5EF4-FFF2-40B4-BE49-F238E27FC236}">
-                <a16:creationId xmlns:a16="http://schemas.microsoft.com/office/drawing/2014/main" id="{EE6A7C47-81AC-431C-A7C3-2BC71AD14417}"/>
+                <a16:creationId xmlns:a16="http://schemas.microsoft.com/office/drawing/2014/main" xmlns="" id="{EE6A7C47-81AC-431C-A7C3-2BC71AD14417}"/>
               </a:ext>
             </a:extLst>
           </p:cNvPr>
@@ -1048,7 +1053,7 @@
           <p:cNvPr id="2" name="Title 1">
             <a:extLst>
               <a:ext uri="{FF2B5EF4-FFF2-40B4-BE49-F238E27FC236}">
-                <a16:creationId xmlns:a16="http://schemas.microsoft.com/office/drawing/2014/main" id="{7CBD2E47-4DC7-46C4-9407-FA4CF7E0AAE3}"/>
+                <a16:creationId xmlns:a16="http://schemas.microsoft.com/office/drawing/2014/main" xmlns="" id="{7CBD2E47-4DC7-46C4-9407-FA4CF7E0AAE3}"/>
               </a:ext>
             </a:extLst>
           </p:cNvPr>
@@ -1088,7 +1093,7 @@
           <p:cNvPr id="3" name="Text Placeholder 2">
             <a:extLst>
               <a:ext uri="{FF2B5EF4-FFF2-40B4-BE49-F238E27FC236}">
-                <a16:creationId xmlns:a16="http://schemas.microsoft.com/office/drawing/2014/main" id="{6BF7B502-122E-4177-A408-FC436A254215}"/>
+                <a16:creationId xmlns:a16="http://schemas.microsoft.com/office/drawing/2014/main" xmlns="" id="{6BF7B502-122E-4177-A408-FC436A254215}"/>
               </a:ext>
             </a:extLst>
           </p:cNvPr>
@@ -1215,7 +1220,7 @@
           <p:cNvPr id="4" name="Date Placeholder 3">
             <a:extLst>
               <a:ext uri="{FF2B5EF4-FFF2-40B4-BE49-F238E27FC236}">
-                <a16:creationId xmlns:a16="http://schemas.microsoft.com/office/drawing/2014/main" id="{38229696-2AEF-4765-B33E-7DA328E464FF}"/>
+                <a16:creationId xmlns:a16="http://schemas.microsoft.com/office/drawing/2014/main" xmlns="" id="{38229696-2AEF-4765-B33E-7DA328E464FF}"/>
               </a:ext>
             </a:extLst>
           </p:cNvPr>
@@ -1233,7 +1238,7 @@
           <a:p>
             <a:fld id="{477962CB-39AD-45A9-800F-54DAB53D6021}" type="datetime4">
               <a:rPr lang="en-US" smtClean="0"/>
-              <a:t>May 22, 2024</a:t>
+              <a:t>May 23, 2024</a:t>
             </a:fld>
             <a:endParaRPr lang="en-US"/>
           </a:p>
@@ -1244,7 +1249,7 @@
           <p:cNvPr id="5" name="Footer Placeholder 4">
             <a:extLst>
               <a:ext uri="{FF2B5EF4-FFF2-40B4-BE49-F238E27FC236}">
-                <a16:creationId xmlns:a16="http://schemas.microsoft.com/office/drawing/2014/main" id="{4729B2E4-2F1C-4FEE-AAB2-4FCC3EEFD1D8}"/>
+                <a16:creationId xmlns:a16="http://schemas.microsoft.com/office/drawing/2014/main" xmlns="" id="{4729B2E4-2F1C-4FEE-AAB2-4FCC3EEFD1D8}"/>
               </a:ext>
             </a:extLst>
           </p:cNvPr>
@@ -1269,7 +1274,7 @@
           <p:cNvPr id="6" name="Slide Number Placeholder 5">
             <a:extLst>
               <a:ext uri="{FF2B5EF4-FFF2-40B4-BE49-F238E27FC236}">
-                <a16:creationId xmlns:a16="http://schemas.microsoft.com/office/drawing/2014/main" id="{C427D4B8-E107-480A-AA17-261CA49BBB5D}"/>
+                <a16:creationId xmlns:a16="http://schemas.microsoft.com/office/drawing/2014/main" xmlns="" id="{C427D4B8-E107-480A-AA17-261CA49BBB5D}"/>
               </a:ext>
             </a:extLst>
           </p:cNvPr>
@@ -1328,7 +1333,7 @@
           <p:cNvPr id="2" name="Title 1">
             <a:extLst>
               <a:ext uri="{FF2B5EF4-FFF2-40B4-BE49-F238E27FC236}">
-                <a16:creationId xmlns:a16="http://schemas.microsoft.com/office/drawing/2014/main" id="{D4B8BAE8-3305-4F08-BECB-56AD7FD4E4B1}"/>
+                <a16:creationId xmlns:a16="http://schemas.microsoft.com/office/drawing/2014/main" xmlns="" id="{D4B8BAE8-3305-4F08-BECB-56AD7FD4E4B1}"/>
               </a:ext>
             </a:extLst>
           </p:cNvPr>
@@ -1357,7 +1362,7 @@
           <p:cNvPr id="3" name="Content Placeholder 2">
             <a:extLst>
               <a:ext uri="{FF2B5EF4-FFF2-40B4-BE49-F238E27FC236}">
-                <a16:creationId xmlns:a16="http://schemas.microsoft.com/office/drawing/2014/main" id="{E77021AC-6D8D-4D24-8B01-8AE8F41BE4B8}"/>
+                <a16:creationId xmlns:a16="http://schemas.microsoft.com/office/drawing/2014/main" xmlns="" id="{E77021AC-6D8D-4D24-8B01-8AE8F41BE4B8}"/>
               </a:ext>
             </a:extLst>
           </p:cNvPr>
@@ -1436,7 +1441,7 @@
           <p:cNvPr id="4" name="Content Placeholder 3">
             <a:extLst>
               <a:ext uri="{FF2B5EF4-FFF2-40B4-BE49-F238E27FC236}">
-                <a16:creationId xmlns:a16="http://schemas.microsoft.com/office/drawing/2014/main" id="{E8E7F49C-3DB3-40B7-89B3-E3BC32FC110F}"/>
+                <a16:creationId xmlns:a16="http://schemas.microsoft.com/office/drawing/2014/main" xmlns="" id="{E8E7F49C-3DB3-40B7-89B3-E3BC32FC110F}"/>
               </a:ext>
             </a:extLst>
           </p:cNvPr>
@@ -1499,7 +1504,7 @@
           <p:cNvPr id="5" name="Date Placeholder 4">
             <a:extLst>
               <a:ext uri="{FF2B5EF4-FFF2-40B4-BE49-F238E27FC236}">
-                <a16:creationId xmlns:a16="http://schemas.microsoft.com/office/drawing/2014/main" id="{B1E33D58-BDF5-4F1F-806B-0491CB3624A9}"/>
+                <a16:creationId xmlns:a16="http://schemas.microsoft.com/office/drawing/2014/main" xmlns="" id="{B1E33D58-BDF5-4F1F-806B-0491CB3624A9}"/>
               </a:ext>
             </a:extLst>
           </p:cNvPr>
@@ -1517,7 +1522,7 @@
           <a:p>
             <a:fld id="{2DEDF93D-55AB-4606-B9D7-742F1FC51983}" type="datetime4">
               <a:rPr lang="en-US" smtClean="0"/>
-              <a:t>May 22, 2024</a:t>
+              <a:t>May 23, 2024</a:t>
             </a:fld>
             <a:endParaRPr lang="en-US" dirty="0"/>
           </a:p>
@@ -1528,7 +1533,7 @@
           <p:cNvPr id="6" name="Footer Placeholder 5">
             <a:extLst>
               <a:ext uri="{FF2B5EF4-FFF2-40B4-BE49-F238E27FC236}">
-                <a16:creationId xmlns:a16="http://schemas.microsoft.com/office/drawing/2014/main" id="{848BCBFD-1FE1-441A-B3AF-C3E7E7B8D11C}"/>
+                <a16:creationId xmlns:a16="http://schemas.microsoft.com/office/drawing/2014/main" xmlns="" id="{848BCBFD-1FE1-441A-B3AF-C3E7E7B8D11C}"/>
               </a:ext>
             </a:extLst>
           </p:cNvPr>
@@ -1553,7 +1558,7 @@
           <p:cNvPr id="7" name="Slide Number Placeholder 6">
             <a:extLst>
               <a:ext uri="{FF2B5EF4-FFF2-40B4-BE49-F238E27FC236}">
-                <a16:creationId xmlns:a16="http://schemas.microsoft.com/office/drawing/2014/main" id="{C70CE272-E6FB-455B-BACB-2471D66D956F}"/>
+                <a16:creationId xmlns:a16="http://schemas.microsoft.com/office/drawing/2014/main" xmlns="" id="{C70CE272-E6FB-455B-BACB-2471D66D956F}"/>
               </a:ext>
             </a:extLst>
           </p:cNvPr>
@@ -1612,7 +1617,7 @@
           <p:cNvPr id="3" name="Text Placeholder 2">
             <a:extLst>
               <a:ext uri="{FF2B5EF4-FFF2-40B4-BE49-F238E27FC236}">
-                <a16:creationId xmlns:a16="http://schemas.microsoft.com/office/drawing/2014/main" id="{1E73A4FB-9EF5-4D6C-A275-2DE1077A29E7}"/>
+                <a16:creationId xmlns:a16="http://schemas.microsoft.com/office/drawing/2014/main" xmlns="" id="{1E73A4FB-9EF5-4D6C-A275-2DE1077A29E7}"/>
               </a:ext>
             </a:extLst>
           </p:cNvPr>
@@ -1685,7 +1690,7 @@
           <p:cNvPr id="4" name="Content Placeholder 3">
             <a:extLst>
               <a:ext uri="{FF2B5EF4-FFF2-40B4-BE49-F238E27FC236}">
-                <a16:creationId xmlns:a16="http://schemas.microsoft.com/office/drawing/2014/main" id="{BDC9972A-4D34-4A9F-84EB-8D64A703B56C}"/>
+                <a16:creationId xmlns:a16="http://schemas.microsoft.com/office/drawing/2014/main" xmlns="" id="{BDC9972A-4D34-4A9F-84EB-8D64A703B56C}"/>
               </a:ext>
             </a:extLst>
           </p:cNvPr>
@@ -1764,7 +1769,7 @@
           <p:cNvPr id="5" name="Text Placeholder 4">
             <a:extLst>
               <a:ext uri="{FF2B5EF4-FFF2-40B4-BE49-F238E27FC236}">
-                <a16:creationId xmlns:a16="http://schemas.microsoft.com/office/drawing/2014/main" id="{CDBBDDE3-C8D7-4600-8259-24E1F8118A41}"/>
+                <a16:creationId xmlns:a16="http://schemas.microsoft.com/office/drawing/2014/main" xmlns="" id="{CDBBDDE3-C8D7-4600-8259-24E1F8118A41}"/>
               </a:ext>
             </a:extLst>
           </p:cNvPr>
@@ -1837,7 +1842,7 @@
           <p:cNvPr id="6" name="Content Placeholder 5">
             <a:extLst>
               <a:ext uri="{FF2B5EF4-FFF2-40B4-BE49-F238E27FC236}">
-                <a16:creationId xmlns:a16="http://schemas.microsoft.com/office/drawing/2014/main" id="{B4649FFF-44C7-4256-AFE1-C5457C7AB501}"/>
+                <a16:creationId xmlns:a16="http://schemas.microsoft.com/office/drawing/2014/main" xmlns="" id="{B4649FFF-44C7-4256-AFE1-C5457C7AB501}"/>
               </a:ext>
             </a:extLst>
           </p:cNvPr>
@@ -1916,7 +1921,7 @@
           <p:cNvPr id="7" name="Date Placeholder 6">
             <a:extLst>
               <a:ext uri="{FF2B5EF4-FFF2-40B4-BE49-F238E27FC236}">
-                <a16:creationId xmlns:a16="http://schemas.microsoft.com/office/drawing/2014/main" id="{1BEC6ACF-080E-4B7C-B0C0-77E90C16E9F6}"/>
+                <a16:creationId xmlns:a16="http://schemas.microsoft.com/office/drawing/2014/main" xmlns="" id="{1BEC6ACF-080E-4B7C-B0C0-77E90C16E9F6}"/>
               </a:ext>
             </a:extLst>
           </p:cNvPr>
@@ -1934,7 +1939,7 @@
           <a:p>
             <a:fld id="{DDF2841D-FB5C-47AB-B2FF-32E855C1EA71}" type="datetime4">
               <a:rPr lang="en-US" smtClean="0"/>
-              <a:t>May 22, 2024</a:t>
+              <a:t>May 23, 2024</a:t>
             </a:fld>
             <a:endParaRPr lang="en-US"/>
           </a:p>
@@ -1945,7 +1950,7 @@
           <p:cNvPr id="8" name="Footer Placeholder 7">
             <a:extLst>
               <a:ext uri="{FF2B5EF4-FFF2-40B4-BE49-F238E27FC236}">
-                <a16:creationId xmlns:a16="http://schemas.microsoft.com/office/drawing/2014/main" id="{39A68C0B-BC90-4ADA-B6E6-2B30BFF9E71D}"/>
+                <a16:creationId xmlns:a16="http://schemas.microsoft.com/office/drawing/2014/main" xmlns="" id="{39A68C0B-BC90-4ADA-B6E6-2B30BFF9E71D}"/>
               </a:ext>
             </a:extLst>
           </p:cNvPr>
@@ -1970,7 +1975,7 @@
           <p:cNvPr id="9" name="Slide Number Placeholder 8">
             <a:extLst>
               <a:ext uri="{FF2B5EF4-FFF2-40B4-BE49-F238E27FC236}">
-                <a16:creationId xmlns:a16="http://schemas.microsoft.com/office/drawing/2014/main" id="{13BCE559-C82B-4E27-965B-4AC3C66FC8F8}"/>
+                <a16:creationId xmlns:a16="http://schemas.microsoft.com/office/drawing/2014/main" xmlns="" id="{13BCE559-C82B-4E27-965B-4AC3C66FC8F8}"/>
               </a:ext>
             </a:extLst>
           </p:cNvPr>
@@ -1999,7 +2004,7 @@
           <p:cNvPr id="12" name="Title 11">
             <a:extLst>
               <a:ext uri="{FF2B5EF4-FFF2-40B4-BE49-F238E27FC236}">
-                <a16:creationId xmlns:a16="http://schemas.microsoft.com/office/drawing/2014/main" id="{3752B99E-38EC-4745-889B-124D34759641}"/>
+                <a16:creationId xmlns:a16="http://schemas.microsoft.com/office/drawing/2014/main" xmlns="" id="{3752B99E-38EC-4745-889B-124D34759641}"/>
               </a:ext>
             </a:extLst>
           </p:cNvPr>
@@ -2057,7 +2062,7 @@
           <p:cNvPr id="3" name="Date Placeholder 2">
             <a:extLst>
               <a:ext uri="{FF2B5EF4-FFF2-40B4-BE49-F238E27FC236}">
-                <a16:creationId xmlns:a16="http://schemas.microsoft.com/office/drawing/2014/main" id="{23DE7304-D393-47F0-ACCC-1F72EFCCE7CA}"/>
+                <a16:creationId xmlns:a16="http://schemas.microsoft.com/office/drawing/2014/main" xmlns="" id="{23DE7304-D393-47F0-ACCC-1F72EFCCE7CA}"/>
               </a:ext>
             </a:extLst>
           </p:cNvPr>
@@ -2075,7 +2080,7 @@
           <a:p>
             <a:fld id="{118537E9-D174-424D-BEE8-AFC4CA5F9F97}" type="datetime4">
               <a:rPr lang="en-US" smtClean="0"/>
-              <a:t>May 22, 2024</a:t>
+              <a:t>May 23, 2024</a:t>
             </a:fld>
             <a:endParaRPr lang="en-US"/>
           </a:p>
@@ -2086,7 +2091,7 @@
           <p:cNvPr id="4" name="Footer Placeholder 3">
             <a:extLst>
               <a:ext uri="{FF2B5EF4-FFF2-40B4-BE49-F238E27FC236}">
-                <a16:creationId xmlns:a16="http://schemas.microsoft.com/office/drawing/2014/main" id="{B68451FF-032D-4787-BA4B-5EB415494AC1}"/>
+                <a16:creationId xmlns:a16="http://schemas.microsoft.com/office/drawing/2014/main" xmlns="" id="{B68451FF-032D-4787-BA4B-5EB415494AC1}"/>
               </a:ext>
             </a:extLst>
           </p:cNvPr>
@@ -2111,7 +2116,7 @@
           <p:cNvPr id="5" name="Slide Number Placeholder 4">
             <a:extLst>
               <a:ext uri="{FF2B5EF4-FFF2-40B4-BE49-F238E27FC236}">
-                <a16:creationId xmlns:a16="http://schemas.microsoft.com/office/drawing/2014/main" id="{89B7511D-7256-4A08-BF62-3B3F821A6F02}"/>
+                <a16:creationId xmlns:a16="http://schemas.microsoft.com/office/drawing/2014/main" xmlns="" id="{89B7511D-7256-4A08-BF62-3B3F821A6F02}"/>
               </a:ext>
             </a:extLst>
           </p:cNvPr>
@@ -2140,7 +2145,7 @@
           <p:cNvPr id="6" name="Title 5">
             <a:extLst>
               <a:ext uri="{FF2B5EF4-FFF2-40B4-BE49-F238E27FC236}">
-                <a16:creationId xmlns:a16="http://schemas.microsoft.com/office/drawing/2014/main" id="{03FCDA27-1C47-4EA1-A160-EC91FD88BC34}"/>
+                <a16:creationId xmlns:a16="http://schemas.microsoft.com/office/drawing/2014/main" xmlns="" id="{03FCDA27-1C47-4EA1-A160-EC91FD88BC34}"/>
               </a:ext>
             </a:extLst>
           </p:cNvPr>
@@ -2198,7 +2203,7 @@
           <p:cNvPr id="2" name="Date Placeholder 1">
             <a:extLst>
               <a:ext uri="{FF2B5EF4-FFF2-40B4-BE49-F238E27FC236}">
-                <a16:creationId xmlns:a16="http://schemas.microsoft.com/office/drawing/2014/main" id="{96DE8ADA-7BF8-433A-8770-61C690F37DCB}"/>
+                <a16:creationId xmlns:a16="http://schemas.microsoft.com/office/drawing/2014/main" xmlns="" id="{96DE8ADA-7BF8-433A-8770-61C690F37DCB}"/>
               </a:ext>
             </a:extLst>
           </p:cNvPr>
@@ -2216,7 +2221,7 @@
           <a:p>
             <a:fld id="{1C7A44C0-F7AC-49C2-8289-1E7A86D9FB50}" type="datetime4">
               <a:rPr lang="en-US" smtClean="0"/>
-              <a:t>May 22, 2024</a:t>
+              <a:t>May 23, 2024</a:t>
             </a:fld>
             <a:endParaRPr lang="en-US"/>
           </a:p>
@@ -2227,7 +2232,7 @@
           <p:cNvPr id="3" name="Footer Placeholder 2">
             <a:extLst>
               <a:ext uri="{FF2B5EF4-FFF2-40B4-BE49-F238E27FC236}">
-                <a16:creationId xmlns:a16="http://schemas.microsoft.com/office/drawing/2014/main" id="{16357B86-EC22-49C6-BBC6-639D57D1AFBA}"/>
+                <a16:creationId xmlns:a16="http://schemas.microsoft.com/office/drawing/2014/main" xmlns="" id="{16357B86-EC22-49C6-BBC6-639D57D1AFBA}"/>
               </a:ext>
             </a:extLst>
           </p:cNvPr>
@@ -2252,7 +2257,7 @@
           <p:cNvPr id="4" name="Slide Number Placeholder 3">
             <a:extLst>
               <a:ext uri="{FF2B5EF4-FFF2-40B4-BE49-F238E27FC236}">
-                <a16:creationId xmlns:a16="http://schemas.microsoft.com/office/drawing/2014/main" id="{2D63764B-CF91-4C81-B4C3-5B5E5A973610}"/>
+                <a16:creationId xmlns:a16="http://schemas.microsoft.com/office/drawing/2014/main" xmlns="" id="{2D63764B-CF91-4C81-B4C3-5B5E5A973610}"/>
               </a:ext>
             </a:extLst>
           </p:cNvPr>
@@ -2311,7 +2316,7 @@
           <p:cNvPr id="2" name="Title 1">
             <a:extLst>
               <a:ext uri="{FF2B5EF4-FFF2-40B4-BE49-F238E27FC236}">
-                <a16:creationId xmlns:a16="http://schemas.microsoft.com/office/drawing/2014/main" id="{968E4801-B0C7-4458-B413-24D6E68FAA57}"/>
+                <a16:creationId xmlns:a16="http://schemas.microsoft.com/office/drawing/2014/main" xmlns="" id="{968E4801-B0C7-4458-B413-24D6E68FAA57}"/>
               </a:ext>
             </a:extLst>
           </p:cNvPr>
@@ -2349,7 +2354,7 @@
           <p:cNvPr id="3" name="Content Placeholder 2">
             <a:extLst>
               <a:ext uri="{FF2B5EF4-FFF2-40B4-BE49-F238E27FC236}">
-                <a16:creationId xmlns:a16="http://schemas.microsoft.com/office/drawing/2014/main" id="{A2FA0C76-733A-488A-89FB-7D04FD64BD68}"/>
+                <a16:creationId xmlns:a16="http://schemas.microsoft.com/office/drawing/2014/main" xmlns="" id="{A2FA0C76-733A-488A-89FB-7D04FD64BD68}"/>
               </a:ext>
             </a:extLst>
           </p:cNvPr>
@@ -2442,7 +2447,7 @@
           <p:cNvPr id="4" name="Text Placeholder 3">
             <a:extLst>
               <a:ext uri="{FF2B5EF4-FFF2-40B4-BE49-F238E27FC236}">
-                <a16:creationId xmlns:a16="http://schemas.microsoft.com/office/drawing/2014/main" id="{CD45B9DE-016A-4B31-BB52-99C76E28B4B9}"/>
+                <a16:creationId xmlns:a16="http://schemas.microsoft.com/office/drawing/2014/main" xmlns="" id="{CD45B9DE-016A-4B31-BB52-99C76E28B4B9}"/>
               </a:ext>
             </a:extLst>
           </p:cNvPr>
@@ -2513,7 +2518,7 @@
           <p:cNvPr id="5" name="Date Placeholder 4">
             <a:extLst>
               <a:ext uri="{FF2B5EF4-FFF2-40B4-BE49-F238E27FC236}">
-                <a16:creationId xmlns:a16="http://schemas.microsoft.com/office/drawing/2014/main" id="{52ED6CC3-66DD-4D9A-A9C7-F588BA88C992}"/>
+                <a16:creationId xmlns:a16="http://schemas.microsoft.com/office/drawing/2014/main" xmlns="" id="{52ED6CC3-66DD-4D9A-A9C7-F588BA88C992}"/>
               </a:ext>
             </a:extLst>
           </p:cNvPr>
@@ -2531,7 +2536,7 @@
           <a:p>
             <a:fld id="{73BB84BC-6E78-40D1-8831-40AB1F596614}" type="datetime4">
               <a:rPr lang="en-US" smtClean="0"/>
-              <a:t>May 22, 2024</a:t>
+              <a:t>May 23, 2024</a:t>
             </a:fld>
             <a:endParaRPr lang="en-US"/>
           </a:p>
@@ -2542,7 +2547,7 @@
           <p:cNvPr id="6" name="Footer Placeholder 5">
             <a:extLst>
               <a:ext uri="{FF2B5EF4-FFF2-40B4-BE49-F238E27FC236}">
-                <a16:creationId xmlns:a16="http://schemas.microsoft.com/office/drawing/2014/main" id="{31359FC8-04EF-4F7D-8E43-4EE0E95DA99C}"/>
+                <a16:creationId xmlns:a16="http://schemas.microsoft.com/office/drawing/2014/main" xmlns="" id="{31359FC8-04EF-4F7D-8E43-4EE0E95DA99C}"/>
               </a:ext>
             </a:extLst>
           </p:cNvPr>
@@ -2567,7 +2572,7 @@
           <p:cNvPr id="7" name="Slide Number Placeholder 6">
             <a:extLst>
               <a:ext uri="{FF2B5EF4-FFF2-40B4-BE49-F238E27FC236}">
-                <a16:creationId xmlns:a16="http://schemas.microsoft.com/office/drawing/2014/main" id="{4E71C964-4227-4DEE-87A1-026162DDF664}"/>
+                <a16:creationId xmlns:a16="http://schemas.microsoft.com/office/drawing/2014/main" xmlns="" id="{4E71C964-4227-4DEE-87A1-026162DDF664}"/>
               </a:ext>
             </a:extLst>
           </p:cNvPr>
@@ -2626,7 +2631,7 @@
           <p:cNvPr id="2" name="Title 1">
             <a:extLst>
               <a:ext uri="{FF2B5EF4-FFF2-40B4-BE49-F238E27FC236}">
-                <a16:creationId xmlns:a16="http://schemas.microsoft.com/office/drawing/2014/main" id="{EFF0EB4E-D4BB-4C86-A820-63474E5A4086}"/>
+                <a16:creationId xmlns:a16="http://schemas.microsoft.com/office/drawing/2014/main" xmlns="" id="{EFF0EB4E-D4BB-4C86-A820-63474E5A4086}"/>
               </a:ext>
             </a:extLst>
           </p:cNvPr>
@@ -2664,7 +2669,7 @@
           <p:cNvPr id="3" name="Picture Placeholder 2">
             <a:extLst>
               <a:ext uri="{FF2B5EF4-FFF2-40B4-BE49-F238E27FC236}">
-                <a16:creationId xmlns:a16="http://schemas.microsoft.com/office/drawing/2014/main" id="{54FA99A1-8FAF-415D-A399-1B2C2A0F2300}"/>
+                <a16:creationId xmlns:a16="http://schemas.microsoft.com/office/drawing/2014/main" xmlns="" id="{54FA99A1-8FAF-415D-A399-1B2C2A0F2300}"/>
               </a:ext>
             </a:extLst>
           </p:cNvPr>
@@ -2735,7 +2740,7 @@
           <p:cNvPr id="4" name="Text Placeholder 3">
             <a:extLst>
               <a:ext uri="{FF2B5EF4-FFF2-40B4-BE49-F238E27FC236}">
-                <a16:creationId xmlns:a16="http://schemas.microsoft.com/office/drawing/2014/main" id="{84A15BEE-9915-4637-85A2-2AF2872C72BC}"/>
+                <a16:creationId xmlns:a16="http://schemas.microsoft.com/office/drawing/2014/main" xmlns="" id="{84A15BEE-9915-4637-85A2-2AF2872C72BC}"/>
               </a:ext>
             </a:extLst>
           </p:cNvPr>
@@ -2806,7 +2811,7 @@
           <p:cNvPr id="5" name="Date Placeholder 4">
             <a:extLst>
               <a:ext uri="{FF2B5EF4-FFF2-40B4-BE49-F238E27FC236}">
-                <a16:creationId xmlns:a16="http://schemas.microsoft.com/office/drawing/2014/main" id="{AA73427C-3B67-4ED4-925D-04B9C09AA54B}"/>
+                <a16:creationId xmlns:a16="http://schemas.microsoft.com/office/drawing/2014/main" xmlns="" id="{AA73427C-3B67-4ED4-925D-04B9C09AA54B}"/>
               </a:ext>
             </a:extLst>
           </p:cNvPr>
@@ -2824,7 +2829,7 @@
           <a:p>
             <a:fld id="{ADFA080F-3961-4D42-BEDE-84A1FED032F1}" type="datetime4">
               <a:rPr lang="en-US" smtClean="0"/>
-              <a:t>May 22, 2024</a:t>
+              <a:t>May 23, 2024</a:t>
             </a:fld>
             <a:endParaRPr lang="en-US"/>
           </a:p>
@@ -2835,7 +2840,7 @@
           <p:cNvPr id="6" name="Footer Placeholder 5">
             <a:extLst>
               <a:ext uri="{FF2B5EF4-FFF2-40B4-BE49-F238E27FC236}">
-                <a16:creationId xmlns:a16="http://schemas.microsoft.com/office/drawing/2014/main" id="{EEB5DAFD-22DE-4E9E-9C72-B16C1F273D2B}"/>
+                <a16:creationId xmlns:a16="http://schemas.microsoft.com/office/drawing/2014/main" xmlns="" id="{EEB5DAFD-22DE-4E9E-9C72-B16C1F273D2B}"/>
               </a:ext>
             </a:extLst>
           </p:cNvPr>
@@ -2860,7 +2865,7 @@
           <p:cNvPr id="7" name="Slide Number Placeholder 6">
             <a:extLst>
               <a:ext uri="{FF2B5EF4-FFF2-40B4-BE49-F238E27FC236}">
-                <a16:creationId xmlns:a16="http://schemas.microsoft.com/office/drawing/2014/main" id="{A0E8EE99-49CC-4A30-8ADA-39EFD8DAAD22}"/>
+                <a16:creationId xmlns:a16="http://schemas.microsoft.com/office/drawing/2014/main" xmlns="" id="{A0E8EE99-49CC-4A30-8ADA-39EFD8DAAD22}"/>
               </a:ext>
             </a:extLst>
           </p:cNvPr>
@@ -2924,7 +2929,7 @@
           <p:cNvPr id="10" name="Picture 9" descr="A person in a dark room&#10;&#10;Description automatically generated">
             <a:extLst>
               <a:ext uri="{FF2B5EF4-FFF2-40B4-BE49-F238E27FC236}">
-                <a16:creationId xmlns:a16="http://schemas.microsoft.com/office/drawing/2014/main" id="{DEB2E8C4-C3E7-4048-A43D-9859510CFA98}"/>
+                <a16:creationId xmlns:a16="http://schemas.microsoft.com/office/drawing/2014/main" xmlns="" id="{DEB2E8C4-C3E7-4048-A43D-9859510CFA98}"/>
               </a:ext>
             </a:extLst>
           </p:cNvPr>
@@ -2960,7 +2965,7 @@
           <p:cNvPr id="2" name="Title Placeholder 1">
             <a:extLst>
               <a:ext uri="{FF2B5EF4-FFF2-40B4-BE49-F238E27FC236}">
-                <a16:creationId xmlns:a16="http://schemas.microsoft.com/office/drawing/2014/main" id="{9AFBD2E1-C16B-4996-869C-DD03823A80A4}"/>
+                <a16:creationId xmlns:a16="http://schemas.microsoft.com/office/drawing/2014/main" xmlns="" id="{9AFBD2E1-C16B-4996-869C-DD03823A80A4}"/>
               </a:ext>
             </a:extLst>
           </p:cNvPr>
@@ -2999,7 +3004,7 @@
           <p:cNvPr id="3" name="Text Placeholder 2">
             <a:extLst>
               <a:ext uri="{FF2B5EF4-FFF2-40B4-BE49-F238E27FC236}">
-                <a16:creationId xmlns:a16="http://schemas.microsoft.com/office/drawing/2014/main" id="{A844DB6A-ED8E-4755-BC7A-B7AA65244231}"/>
+                <a16:creationId xmlns:a16="http://schemas.microsoft.com/office/drawing/2014/main" xmlns="" id="{A844DB6A-ED8E-4755-BC7A-B7AA65244231}"/>
               </a:ext>
             </a:extLst>
           </p:cNvPr>
@@ -3067,7 +3072,7 @@
           <p:cNvPr id="4" name="Date Placeholder 3">
             <a:extLst>
               <a:ext uri="{FF2B5EF4-FFF2-40B4-BE49-F238E27FC236}">
-                <a16:creationId xmlns:a16="http://schemas.microsoft.com/office/drawing/2014/main" id="{6FF5CE27-B558-4B88-ACE3-B70423127730}"/>
+                <a16:creationId xmlns:a16="http://schemas.microsoft.com/office/drawing/2014/main" xmlns="" id="{6FF5CE27-B558-4B88-ACE3-B70423127730}"/>
               </a:ext>
             </a:extLst>
           </p:cNvPr>
@@ -3106,7 +3111,7 @@
             <a:fld id="{A33960BD-7AC1-4217-9611-AAA56D3EE38F}" type="datetime4">
               <a:rPr lang="en-US" smtClean="0"/>
               <a:pPr/>
-              <a:t>May 22, 2024</a:t>
+              <a:t>May 23, 2024</a:t>
             </a:fld>
             <a:endParaRPr lang="en-US" dirty="0">
               <a:latin typeface="+mn-lt"/>
@@ -3119,7 +3124,7 @@
           <p:cNvPr id="5" name="Footer Placeholder 4">
             <a:extLst>
               <a:ext uri="{FF2B5EF4-FFF2-40B4-BE49-F238E27FC236}">
-                <a16:creationId xmlns:a16="http://schemas.microsoft.com/office/drawing/2014/main" id="{4ACE5D61-F203-4F00-9CF1-AB0AE4937006}"/>
+                <a16:creationId xmlns:a16="http://schemas.microsoft.com/office/drawing/2014/main" xmlns="" id="{4ACE5D61-F203-4F00-9CF1-AB0AE4937006}"/>
               </a:ext>
             </a:extLst>
           </p:cNvPr>
@@ -3166,7 +3171,7 @@
           <p:cNvPr id="6" name="Slide Number Placeholder 5">
             <a:extLst>
               <a:ext uri="{FF2B5EF4-FFF2-40B4-BE49-F238E27FC236}">
-                <a16:creationId xmlns:a16="http://schemas.microsoft.com/office/drawing/2014/main" id="{39FF38BD-5F38-4F6E-B5DD-EB1AF06002E2}"/>
+                <a16:creationId xmlns:a16="http://schemas.microsoft.com/office/drawing/2014/main" xmlns="" id="{39FF38BD-5F38-4F6E-B5DD-EB1AF06002E2}"/>
               </a:ext>
             </a:extLst>
           </p:cNvPr>
@@ -3213,14 +3218,14 @@
           </a:p>
         </p:txBody>
       </p:sp>
-      <mc:AlternateContent xmlns:mc="http://schemas.openxmlformats.org/markup-compatibility/2006">
-        <mc:Choice xmlns:p14="http://schemas.microsoft.com/office/powerpoint/2010/main" Requires="p14">
+      <mc:AlternateContent xmlns:mc="http://schemas.openxmlformats.org/markup-compatibility/2006" xmlns:p14="http://schemas.microsoft.com/office/powerpoint/2010/main">
+        <mc:Choice Requires="p14">
           <p:contentPart p14:bwMode="auto" r:id="rId14">
             <p14:nvContentPartPr>
               <p14:cNvPr id="18" name="Ink 17">
                 <a:extLst>
                   <a:ext uri="{FF2B5EF4-FFF2-40B4-BE49-F238E27FC236}">
-                    <a16:creationId xmlns:a16="http://schemas.microsoft.com/office/drawing/2014/main" id="{24D29CCB-7956-4E3E-8880-304085F04BF4}"/>
+                    <a16:creationId xmlns:a16="http://schemas.microsoft.com/office/drawing/2014/main" xmlns="" id="{24D29CCB-7956-4E3E-8880-304085F04BF4}"/>
                   </a:ext>
                 </a:extLst>
               </p14:cNvPr>
@@ -3233,7 +3238,7 @@
             </p14:xfrm>
           </p:contentPart>
         </mc:Choice>
-        <mc:Fallback>
+        <mc:Fallback xmlns="">
           <p:pic>
             <p:nvPicPr>
               <p:cNvPr id="18" name="Ink 17">
@@ -3620,10 +3625,10 @@
           <p:cNvPr id="16" name="Rectangle 15">
             <a:extLst>
               <a:ext uri="{FF2B5EF4-FFF2-40B4-BE49-F238E27FC236}">
-                <a16:creationId xmlns:a16="http://schemas.microsoft.com/office/drawing/2014/main" id="{7DA3C418-758E-4180-A5D0-8655D6804587}"/>
+                <a16:creationId xmlns:a16="http://schemas.microsoft.com/office/drawing/2014/main" xmlns="" id="{7DA3C418-758E-4180-A5D0-8655D6804587}"/>
               </a:ext>
               <a:ext uri="{C183D7F6-B498-43B3-948B-1728B52AA6E4}">
-                <adec:decorative xmlns:adec="http://schemas.microsoft.com/office/drawing/2017/decorative" val="1"/>
+                <adec:decorative xmlns:adec="http://schemas.microsoft.com/office/drawing/2017/decorative" xmlns="" val="1"/>
               </a:ext>
             </a:extLst>
           </p:cNvPr>
@@ -3633,7 +3638,7 @@
           <p:nvPr>
             <p:extLst>
               <p:ext uri="{386F3935-93C4-4BCD-93E2-E3B085C9AB24}">
-                <p16:designElem xmlns:p16="http://schemas.microsoft.com/office/powerpoint/2015/main" val="1"/>
+                <p16:designElem xmlns:p16="http://schemas.microsoft.com/office/powerpoint/2015/main" xmlns="" val="1"/>
               </p:ext>
             </p:extLst>
           </p:nvPr>
@@ -3696,10 +3701,10 @@
           <p:cNvPr id="18" name="Rectangle 17">
             <a:extLst>
               <a:ext uri="{FF2B5EF4-FFF2-40B4-BE49-F238E27FC236}">
-                <a16:creationId xmlns:a16="http://schemas.microsoft.com/office/drawing/2014/main" id="{28C8EF06-5EC3-4883-AFAF-D74FF46550FB}"/>
+                <a16:creationId xmlns:a16="http://schemas.microsoft.com/office/drawing/2014/main" xmlns="" id="{28C8EF06-5EC3-4883-AFAF-D74FF46550FB}"/>
               </a:ext>
               <a:ext uri="{C183D7F6-B498-43B3-948B-1728B52AA6E4}">
-                <adec:decorative xmlns:adec="http://schemas.microsoft.com/office/drawing/2017/decorative" val="1"/>
+                <adec:decorative xmlns:adec="http://schemas.microsoft.com/office/drawing/2017/decorative" xmlns="" val="1"/>
               </a:ext>
             </a:extLst>
           </p:cNvPr>
@@ -3709,7 +3714,7 @@
           <p:nvPr>
             <p:extLst>
               <p:ext uri="{386F3935-93C4-4BCD-93E2-E3B085C9AB24}">
-                <p16:designElem xmlns:p16="http://schemas.microsoft.com/office/powerpoint/2015/main" val="1"/>
+                <p16:designElem xmlns:p16="http://schemas.microsoft.com/office/powerpoint/2015/main" xmlns="" val="1"/>
               </p:ext>
             </p:extLst>
           </p:nvPr>
@@ -3761,7 +3766,7 @@
           <p:cNvPr id="4" name="Picture 3" descr="Pulled pork sliders with slaw on black table">
             <a:extLst>
               <a:ext uri="{FF2B5EF4-FFF2-40B4-BE49-F238E27FC236}">
-                <a16:creationId xmlns:a16="http://schemas.microsoft.com/office/drawing/2014/main" id="{4497E10D-54DE-B40D-F02E-400D7AD58585}"/>
+                <a16:creationId xmlns:a16="http://schemas.microsoft.com/office/drawing/2014/main" xmlns="" id="{4497E10D-54DE-B40D-F02E-400D7AD58585}"/>
               </a:ext>
             </a:extLst>
           </p:cNvPr>
@@ -4267,7 +4272,7 @@
           <p:cNvPr id="2" name="Title 1">
             <a:extLst>
               <a:ext uri="{FF2B5EF4-FFF2-40B4-BE49-F238E27FC236}">
-                <a16:creationId xmlns:a16="http://schemas.microsoft.com/office/drawing/2014/main" id="{F02375CB-6399-7EA1-2417-B9F1459572CF}"/>
+                <a16:creationId xmlns:a16="http://schemas.microsoft.com/office/drawing/2014/main" xmlns="" id="{F02375CB-6399-7EA1-2417-B9F1459572CF}"/>
               </a:ext>
             </a:extLst>
           </p:cNvPr>
@@ -4292,7 +4297,7 @@
           <a:p>
             <a:pPr algn="l"/>
             <a:r>
-              <a:rPr lang="en-FI"/>
+              <a:rPr lang="x-none"/>
               <a:t>Mcdonalds Management system</a:t>
             </a:r>
           </a:p>
@@ -4303,7 +4308,7 @@
           <p:cNvPr id="3" name="Subtitle 2">
             <a:extLst>
               <a:ext uri="{FF2B5EF4-FFF2-40B4-BE49-F238E27FC236}">
-                <a16:creationId xmlns:a16="http://schemas.microsoft.com/office/drawing/2014/main" id="{B83A5183-F7AC-7673-89DF-7CCB676FDB35}"/>
+                <a16:creationId xmlns:a16="http://schemas.microsoft.com/office/drawing/2014/main" xmlns="" id="{B83A5183-F7AC-7673-89DF-7CCB676FDB35}"/>
               </a:ext>
             </a:extLst>
           </p:cNvPr>
@@ -4328,7 +4333,7 @@
           <a:p>
             <a:pPr algn="l"/>
             <a:r>
-              <a:rPr lang="en-FI" dirty="0"/>
+              <a:rPr lang="x-none" dirty="0"/>
               <a:t>Opening a franchise restaurant of burger</a:t>
             </a:r>
           </a:p>
@@ -4339,7 +4344,7 @@
           <p:cNvPr id="6" name="TextBox 5">
             <a:extLst>
               <a:ext uri="{FF2B5EF4-FFF2-40B4-BE49-F238E27FC236}">
-                <a16:creationId xmlns:a16="http://schemas.microsoft.com/office/drawing/2014/main" id="{884AC125-07A2-D4DC-F541-66A26FCBB774}"/>
+                <a16:creationId xmlns:a16="http://schemas.microsoft.com/office/drawing/2014/main" xmlns="" id="{884AC125-07A2-D4DC-F541-66A26FCBB774}"/>
               </a:ext>
             </a:extLst>
           </p:cNvPr>
@@ -4363,13 +4368,13 @@
           <a:lstStyle/>
           <a:p>
             <a:r>
-              <a:rPr lang="en-FI" dirty="0"/>
+              <a:rPr lang="x-none" dirty="0"/>
               <a:t>Mir Aqib Hossain</a:t>
             </a:r>
           </a:p>
           <a:p>
             <a:r>
-              <a:rPr lang="en-FI" dirty="0"/>
+              <a:rPr lang="x-none" dirty="0"/>
               <a:t>Md Ainan Khan</a:t>
             </a:r>
           </a:p>
@@ -4557,10 +4562,10 @@
           <p:cNvPr id="9" name="Rectangle 8">
             <a:extLst>
               <a:ext uri="{FF2B5EF4-FFF2-40B4-BE49-F238E27FC236}">
-                <a16:creationId xmlns:a16="http://schemas.microsoft.com/office/drawing/2014/main" id="{23E547B5-89CF-4EC0-96DE-25771AED0799}"/>
+                <a16:creationId xmlns:a16="http://schemas.microsoft.com/office/drawing/2014/main" xmlns="" id="{23E547B5-89CF-4EC0-96DE-25771AED0799}"/>
               </a:ext>
               <a:ext uri="{C183D7F6-B498-43B3-948B-1728B52AA6E4}">
-                <adec:decorative xmlns:adec="http://schemas.microsoft.com/office/drawing/2017/decorative" val="1"/>
+                <adec:decorative xmlns:adec="http://schemas.microsoft.com/office/drawing/2017/decorative" xmlns="" val="1"/>
               </a:ext>
             </a:extLst>
           </p:cNvPr>
@@ -4570,7 +4575,7 @@
           <p:nvPr>
             <p:extLst>
               <p:ext uri="{386F3935-93C4-4BCD-93E2-E3B085C9AB24}">
-                <p16:designElem xmlns:p16="http://schemas.microsoft.com/office/powerpoint/2015/main" val="1"/>
+                <p16:designElem xmlns:p16="http://schemas.microsoft.com/office/powerpoint/2015/main" xmlns="" val="1"/>
               </p:ext>
             </p:extLst>
           </p:nvPr>
@@ -4633,10 +4638,10 @@
           <p:cNvPr id="11" name="Rectangle 10">
             <a:extLst>
               <a:ext uri="{FF2B5EF4-FFF2-40B4-BE49-F238E27FC236}">
-                <a16:creationId xmlns:a16="http://schemas.microsoft.com/office/drawing/2014/main" id="{B3437C99-FC8E-4311-B48A-F0C4C329B154}"/>
+                <a16:creationId xmlns:a16="http://schemas.microsoft.com/office/drawing/2014/main" xmlns="" id="{B3437C99-FC8E-4311-B48A-F0C4C329B154}"/>
               </a:ext>
               <a:ext uri="{C183D7F6-B498-43B3-948B-1728B52AA6E4}">
-                <adec:decorative xmlns:adec="http://schemas.microsoft.com/office/drawing/2017/decorative" val="1"/>
+                <adec:decorative xmlns:adec="http://schemas.microsoft.com/office/drawing/2017/decorative" xmlns="" val="1"/>
               </a:ext>
             </a:extLst>
           </p:cNvPr>
@@ -4646,7 +4651,7 @@
           <p:nvPr>
             <p:extLst>
               <p:ext uri="{386F3935-93C4-4BCD-93E2-E3B085C9AB24}">
-                <p16:designElem xmlns:p16="http://schemas.microsoft.com/office/powerpoint/2015/main" val="1"/>
+                <p16:designElem xmlns:p16="http://schemas.microsoft.com/office/powerpoint/2015/main" xmlns="" val="1"/>
               </p:ext>
             </p:extLst>
           </p:nvPr>
@@ -4698,7 +4703,7 @@
           <p:cNvPr id="2" name="Title 1">
             <a:extLst>
               <a:ext uri="{FF2B5EF4-FFF2-40B4-BE49-F238E27FC236}">
-                <a16:creationId xmlns:a16="http://schemas.microsoft.com/office/drawing/2014/main" id="{9458B6A5-0F26-2515-5E4B-4BCF41E46AE6}"/>
+                <a16:creationId xmlns:a16="http://schemas.microsoft.com/office/drawing/2014/main" xmlns="" id="{9458B6A5-0F26-2515-5E4B-4BCF41E46AE6}"/>
               </a:ext>
             </a:extLst>
           </p:cNvPr>
@@ -4722,7 +4727,7 @@
           <a:lstStyle/>
           <a:p>
             <a:r>
-              <a:rPr lang="en-FI" dirty="0"/>
+              <a:rPr lang="x-none" dirty="0"/>
               <a:t>Introduction</a:t>
             </a:r>
           </a:p>
@@ -4733,7 +4738,7 @@
           <p:cNvPr id="3" name="Content Placeholder 2">
             <a:extLst>
               <a:ext uri="{FF2B5EF4-FFF2-40B4-BE49-F238E27FC236}">
-                <a16:creationId xmlns:a16="http://schemas.microsoft.com/office/drawing/2014/main" id="{0EF4B58D-F2DF-BB53-FFF1-28D32A5F58A3}"/>
+                <a16:creationId xmlns:a16="http://schemas.microsoft.com/office/drawing/2014/main" xmlns="" id="{0EF4B58D-F2DF-BB53-FFF1-28D32A5F58A3}"/>
               </a:ext>
             </a:extLst>
           </p:cNvPr>
@@ -4762,10 +4767,10 @@
               </a:lnSpc>
             </a:pPr>
             <a:r>
-              <a:rPr lang="en-FI" dirty="0"/>
+              <a:rPr lang="x-none" dirty="0"/>
               <a:t>We have decided to open a mcdonalds franchise and we will focus on the management system using python on</a:t>
             </a:r>
-            <a:endParaRPr lang="en-FI"/>
+            <a:endParaRPr lang="x-none"/>
           </a:p>
           <a:p>
             <a:pPr marL="457200" indent="-457200">
@@ -4776,10 +4781,10 @@
               <a:buAutoNum type="arabicPeriod"/>
             </a:pPr>
             <a:r>
-              <a:rPr lang="en-FI" dirty="0"/>
+              <a:rPr lang="x-none" dirty="0"/>
               <a:t>Making the Intereference of cashier using GUI python of pyQT</a:t>
             </a:r>
-            <a:endParaRPr lang="en-FI"/>
+            <a:endParaRPr lang="x-none"/>
           </a:p>
           <a:p>
             <a:pPr marL="457200" indent="-457200">
@@ -4790,10 +4795,10 @@
               <a:buAutoNum type="arabicPeriod"/>
             </a:pPr>
             <a:r>
-              <a:rPr lang="en-FI" dirty="0"/>
+              <a:rPr lang="x-none" dirty="0"/>
               <a:t>We will process with the data </a:t>
             </a:r>
-            <a:endParaRPr lang="en-FI"/>
+            <a:endParaRPr lang="x-none"/>
           </a:p>
           <a:p>
             <a:pPr marL="457200" indent="-457200">
@@ -4804,10 +4809,10 @@
               <a:buAutoNum type="arabicPeriod"/>
             </a:pPr>
             <a:r>
-              <a:rPr lang="en-FI" dirty="0"/>
+              <a:rPr lang="x-none" dirty="0"/>
               <a:t>We will try to make system, ’Low stock Alert’ where it will indicate if the ingredients limits go below the a stock threshold limit.</a:t>
             </a:r>
-            <a:endParaRPr lang="en-FI"/>
+            <a:endParaRPr lang="x-none"/>
           </a:p>
         </p:txBody>
       </p:sp>
@@ -4816,7 +4821,7 @@
           <p:cNvPr id="5" name="Picture 4" descr="Stock exchange numbers">
             <a:extLst>
               <a:ext uri="{FF2B5EF4-FFF2-40B4-BE49-F238E27FC236}">
-                <a16:creationId xmlns:a16="http://schemas.microsoft.com/office/drawing/2014/main" id="{4DF08B98-9C53-CFA7-5BD9-CCFE3060381B}"/>
+                <a16:creationId xmlns:a16="http://schemas.microsoft.com/office/drawing/2014/main" xmlns="" id="{4DF08B98-9C53-CFA7-5BD9-CCFE3060381B}"/>
               </a:ext>
             </a:extLst>
           </p:cNvPr>
@@ -5257,10 +5262,10 @@
           <p:cNvPr id="9" name="Rectangle 8">
             <a:extLst>
               <a:ext uri="{FF2B5EF4-FFF2-40B4-BE49-F238E27FC236}">
-                <a16:creationId xmlns:a16="http://schemas.microsoft.com/office/drawing/2014/main" id="{23E547B5-89CF-4EC0-96DE-25771AED0799}"/>
+                <a16:creationId xmlns:a16="http://schemas.microsoft.com/office/drawing/2014/main" xmlns="" id="{23E547B5-89CF-4EC0-96DE-25771AED0799}"/>
               </a:ext>
               <a:ext uri="{C183D7F6-B498-43B3-948B-1728B52AA6E4}">
-                <adec:decorative xmlns:adec="http://schemas.microsoft.com/office/drawing/2017/decorative" val="1"/>
+                <adec:decorative xmlns:adec="http://schemas.microsoft.com/office/drawing/2017/decorative" xmlns="" val="1"/>
               </a:ext>
             </a:extLst>
           </p:cNvPr>
@@ -5270,7 +5275,7 @@
           <p:nvPr>
             <p:extLst>
               <p:ext uri="{386F3935-93C4-4BCD-93E2-E3B085C9AB24}">
-                <p16:designElem xmlns:p16="http://schemas.microsoft.com/office/powerpoint/2015/main" val="1"/>
+                <p16:designElem xmlns:p16="http://schemas.microsoft.com/office/powerpoint/2015/main" xmlns="" val="1"/>
               </p:ext>
             </p:extLst>
           </p:nvPr>
@@ -5333,10 +5338,10 @@
           <p:cNvPr id="11" name="Rectangle 10">
             <a:extLst>
               <a:ext uri="{FF2B5EF4-FFF2-40B4-BE49-F238E27FC236}">
-                <a16:creationId xmlns:a16="http://schemas.microsoft.com/office/drawing/2014/main" id="{B3437C99-FC8E-4311-B48A-F0C4C329B154}"/>
+                <a16:creationId xmlns:a16="http://schemas.microsoft.com/office/drawing/2014/main" xmlns="" id="{B3437C99-FC8E-4311-B48A-F0C4C329B154}"/>
               </a:ext>
               <a:ext uri="{C183D7F6-B498-43B3-948B-1728B52AA6E4}">
-                <adec:decorative xmlns:adec="http://schemas.microsoft.com/office/drawing/2017/decorative" val="1"/>
+                <adec:decorative xmlns:adec="http://schemas.microsoft.com/office/drawing/2017/decorative" xmlns="" val="1"/>
               </a:ext>
             </a:extLst>
           </p:cNvPr>
@@ -5346,7 +5351,7 @@
           <p:nvPr>
             <p:extLst>
               <p:ext uri="{386F3935-93C4-4BCD-93E2-E3B085C9AB24}">
-                <p16:designElem xmlns:p16="http://schemas.microsoft.com/office/powerpoint/2015/main" val="1"/>
+                <p16:designElem xmlns:p16="http://schemas.microsoft.com/office/powerpoint/2015/main" xmlns="" val="1"/>
               </p:ext>
             </p:extLst>
           </p:nvPr>
@@ -5398,7 +5403,7 @@
           <p:cNvPr id="2" name="Title 1">
             <a:extLst>
               <a:ext uri="{FF2B5EF4-FFF2-40B4-BE49-F238E27FC236}">
-                <a16:creationId xmlns:a16="http://schemas.microsoft.com/office/drawing/2014/main" id="{42F7952F-38BA-948E-526D-D75E525D3770}"/>
+                <a16:creationId xmlns:a16="http://schemas.microsoft.com/office/drawing/2014/main" xmlns="" id="{42F7952F-38BA-948E-526D-D75E525D3770}"/>
               </a:ext>
             </a:extLst>
           </p:cNvPr>
@@ -5422,7 +5427,7 @@
           <a:lstStyle/>
           <a:p>
             <a:r>
-              <a:rPr lang="en-FI" dirty="0"/>
+              <a:rPr lang="x-none" dirty="0"/>
               <a:t>Challenges </a:t>
             </a:r>
           </a:p>
@@ -5433,7 +5438,7 @@
           <p:cNvPr id="3" name="Content Placeholder 2">
             <a:extLst>
               <a:ext uri="{FF2B5EF4-FFF2-40B4-BE49-F238E27FC236}">
-                <a16:creationId xmlns:a16="http://schemas.microsoft.com/office/drawing/2014/main" id="{CAA5BEE7-5E5D-73B0-789C-441D0A2B2A97}"/>
+                <a16:creationId xmlns:a16="http://schemas.microsoft.com/office/drawing/2014/main" xmlns="" id="{CAA5BEE7-5E5D-73B0-789C-441D0A2B2A97}"/>
               </a:ext>
             </a:extLst>
           </p:cNvPr>
@@ -5476,7 +5481,7 @@
               <a:buNone/>
             </a:pPr>
             <a:r>
-              <a:rPr lang="en-FI" sz="1300"/>
+              <a:rPr lang="x-none" sz="1300"/>
               <a:t>While working on the management system of user interface:</a:t>
             </a:r>
           </a:p>
@@ -5487,7 +5492,7 @@
               </a:lnSpc>
             </a:pPr>
             <a:r>
-              <a:rPr lang="en-FI" sz="1300"/>
+              <a:rPr lang="x-none" sz="1300"/>
               <a:t> The layout management was difficult, we had to make sure the app is user-friendly and with correct dimensions as too big will cover all the screen and too small will be not good lookibg</a:t>
             </a:r>
           </a:p>
@@ -5498,7 +5503,7 @@
               </a:lnSpc>
             </a:pPr>
             <a:r>
-              <a:rPr lang="en-FI" sz="1300"/>
+              <a:rPr lang="x-none" sz="1300"/>
               <a:t>We had to focus on the design as the the GUI haave to look good on different screen sizes and resolutions</a:t>
             </a:r>
           </a:p>
@@ -5509,7 +5514,7 @@
               </a:lnSpc>
               <a:buNone/>
             </a:pPr>
-            <a:endParaRPr lang="en-FI" sz="1300"/>
+            <a:endParaRPr lang="x-none" sz="1300"/>
           </a:p>
           <a:p>
             <a:pPr marL="0" indent="0">
@@ -5519,7 +5524,7 @@
               <a:buNone/>
             </a:pPr>
             <a:r>
-              <a:rPr lang="en-FI" sz="1300"/>
+              <a:rPr lang="x-none" sz="1300"/>
               <a:t>Data processing</a:t>
             </a:r>
           </a:p>
@@ -5530,7 +5535,7 @@
               </a:lnSpc>
             </a:pPr>
             <a:r>
-              <a:rPr lang="en-FI" sz="1300"/>
+              <a:rPr lang="x-none" sz="1300"/>
               <a:t>We faced difficulties on changing the object to float, on the conversion of datas.</a:t>
             </a:r>
           </a:p>
@@ -5541,7 +5546,7 @@
               </a:lnSpc>
             </a:pPr>
             <a:r>
-              <a:rPr lang="en-FI" sz="1300"/>
+              <a:rPr lang="x-none" sz="1300"/>
               <a:t>We handled missing datas appropriately, by removal or imputation.</a:t>
             </a:r>
           </a:p>
@@ -5552,7 +5557,7 @@
           <p:cNvPr id="5" name="Picture 4" descr="Abstract background of data">
             <a:extLst>
               <a:ext uri="{FF2B5EF4-FFF2-40B4-BE49-F238E27FC236}">
-                <a16:creationId xmlns:a16="http://schemas.microsoft.com/office/drawing/2014/main" id="{336156DE-F376-C655-7D09-2DE621A08BE3}"/>
+                <a16:creationId xmlns:a16="http://schemas.microsoft.com/office/drawing/2014/main" xmlns="" id="{336156DE-F376-C655-7D09-2DE621A08BE3}"/>
               </a:ext>
             </a:extLst>
           </p:cNvPr>
@@ -5993,10 +5998,10 @@
           <p:cNvPr id="9" name="Rectangle 8">
             <a:extLst>
               <a:ext uri="{FF2B5EF4-FFF2-40B4-BE49-F238E27FC236}">
-                <a16:creationId xmlns:a16="http://schemas.microsoft.com/office/drawing/2014/main" id="{23E547B5-89CF-4EC0-96DE-25771AED0799}"/>
+                <a16:creationId xmlns:a16="http://schemas.microsoft.com/office/drawing/2014/main" xmlns="" id="{23E547B5-89CF-4EC0-96DE-25771AED0799}"/>
               </a:ext>
               <a:ext uri="{C183D7F6-B498-43B3-948B-1728B52AA6E4}">
-                <adec:decorative xmlns:adec="http://schemas.microsoft.com/office/drawing/2017/decorative" val="1"/>
+                <adec:decorative xmlns:adec="http://schemas.microsoft.com/office/drawing/2017/decorative" xmlns="" val="1"/>
               </a:ext>
             </a:extLst>
           </p:cNvPr>
@@ -6006,7 +6011,7 @@
           <p:nvPr>
             <p:extLst>
               <p:ext uri="{386F3935-93C4-4BCD-93E2-E3B085C9AB24}">
-                <p16:designElem xmlns:p16="http://schemas.microsoft.com/office/powerpoint/2015/main" val="1"/>
+                <p16:designElem xmlns:p16="http://schemas.microsoft.com/office/powerpoint/2015/main" xmlns="" val="1"/>
               </p:ext>
             </p:extLst>
           </p:nvPr>
@@ -6069,10 +6074,10 @@
           <p:cNvPr id="11" name="Rectangle 10">
             <a:extLst>
               <a:ext uri="{FF2B5EF4-FFF2-40B4-BE49-F238E27FC236}">
-                <a16:creationId xmlns:a16="http://schemas.microsoft.com/office/drawing/2014/main" id="{B3437C99-FC8E-4311-B48A-F0C4C329B154}"/>
+                <a16:creationId xmlns:a16="http://schemas.microsoft.com/office/drawing/2014/main" xmlns="" id="{B3437C99-FC8E-4311-B48A-F0C4C329B154}"/>
               </a:ext>
               <a:ext uri="{C183D7F6-B498-43B3-948B-1728B52AA6E4}">
-                <adec:decorative xmlns:adec="http://schemas.microsoft.com/office/drawing/2017/decorative" val="1"/>
+                <adec:decorative xmlns:adec="http://schemas.microsoft.com/office/drawing/2017/decorative" xmlns="" val="1"/>
               </a:ext>
             </a:extLst>
           </p:cNvPr>
@@ -6082,7 +6087,7 @@
           <p:nvPr>
             <p:extLst>
               <p:ext uri="{386F3935-93C4-4BCD-93E2-E3B085C9AB24}">
-                <p16:designElem xmlns:p16="http://schemas.microsoft.com/office/powerpoint/2015/main" val="1"/>
+                <p16:designElem xmlns:p16="http://schemas.microsoft.com/office/powerpoint/2015/main" xmlns="" val="1"/>
               </p:ext>
             </p:extLst>
           </p:nvPr>
@@ -6134,7 +6139,7 @@
           <p:cNvPr id="2" name="Title 1">
             <a:extLst>
               <a:ext uri="{FF2B5EF4-FFF2-40B4-BE49-F238E27FC236}">
-                <a16:creationId xmlns:a16="http://schemas.microsoft.com/office/drawing/2014/main" id="{59A8933E-BC7B-E573-C276-58FAFCF084CF}"/>
+                <a16:creationId xmlns:a16="http://schemas.microsoft.com/office/drawing/2014/main" xmlns="" id="{59A8933E-BC7B-E573-C276-58FAFCF084CF}"/>
               </a:ext>
             </a:extLst>
           </p:cNvPr>
@@ -6158,7 +6163,7 @@
           <a:lstStyle/>
           <a:p>
             <a:r>
-              <a:rPr lang="en-FI" dirty="0"/>
+              <a:rPr lang="x-none" dirty="0"/>
               <a:t>CHallenges</a:t>
             </a:r>
           </a:p>
@@ -6169,7 +6174,7 @@
           <p:cNvPr id="3" name="Content Placeholder 2">
             <a:extLst>
               <a:ext uri="{FF2B5EF4-FFF2-40B4-BE49-F238E27FC236}">
-                <a16:creationId xmlns:a16="http://schemas.microsoft.com/office/drawing/2014/main" id="{DD9AFB5B-4B05-5B67-28C7-301231777F53}"/>
+                <a16:creationId xmlns:a16="http://schemas.microsoft.com/office/drawing/2014/main" xmlns="" id="{DD9AFB5B-4B05-5B67-28C7-301231777F53}"/>
               </a:ext>
             </a:extLst>
           </p:cNvPr>
@@ -6196,7 +6201,7 @@
               <a:buNone/>
             </a:pPr>
             <a:r>
-              <a:rPr lang="en-FI" dirty="0"/>
+              <a:rPr lang="x-none" dirty="0"/>
               <a:t>Low Stock Alert</a:t>
             </a:r>
           </a:p>
@@ -6205,10 +6210,10 @@
               <a:buNone/>
             </a:pPr>
             <a:r>
-              <a:rPr lang="en-FI" dirty="0"/>
+              <a:rPr lang="x-none" dirty="0"/>
               <a:t>Data accuracy and consistency:</a:t>
             </a:r>
-            <a:endParaRPr lang="en-FI"/>
+            <a:endParaRPr lang="x-none"/>
           </a:p>
           <a:p>
             <a:pPr marL="688086" lvl="3" indent="-285750">
@@ -6216,7 +6221,7 @@
               <a:buChar char="•"/>
             </a:pPr>
             <a:r>
-              <a:rPr lang="en-FI" dirty="0"/>
+              <a:rPr lang="x-none" dirty="0"/>
               <a:t>Real-time data syncing: we had to make sure the data is alw</a:t>
             </a:r>
             <a:r>
@@ -6240,13 +6245,13 @@
           </a:p>
           <a:p>
             <a:pPr marL="285750"/>
-            <a:endParaRPr lang="en-FI" dirty="0"/>
+            <a:endParaRPr lang="x-none" dirty="0"/>
           </a:p>
           <a:p>
             <a:pPr marL="0" indent="0">
               <a:buNone/>
             </a:pPr>
-            <a:endParaRPr lang="en-FI" dirty="0"/>
+            <a:endParaRPr lang="x-none" dirty="0"/>
           </a:p>
         </p:txBody>
       </p:sp>
@@ -6255,7 +6260,7 @@
           <p:cNvPr id="5" name="Picture 4" descr="Digital graphs and numbers in 3D">
             <a:extLst>
               <a:ext uri="{FF2B5EF4-FFF2-40B4-BE49-F238E27FC236}">
-                <a16:creationId xmlns:a16="http://schemas.microsoft.com/office/drawing/2014/main" id="{EDE472F7-2BF8-90D8-0FBD-978047E968D3}"/>
+                <a16:creationId xmlns:a16="http://schemas.microsoft.com/office/drawing/2014/main" xmlns="" id="{EDE472F7-2BF8-90D8-0FBD-978047E968D3}"/>
               </a:ext>
             </a:extLst>
           </p:cNvPr>
@@ -6696,10 +6701,10 @@
           <p:cNvPr id="13" name="Rectangle 12">
             <a:extLst>
               <a:ext uri="{FF2B5EF4-FFF2-40B4-BE49-F238E27FC236}">
-                <a16:creationId xmlns:a16="http://schemas.microsoft.com/office/drawing/2014/main" id="{23E547B5-89CF-4EC0-96DE-25771AED0799}"/>
+                <a16:creationId xmlns:a16="http://schemas.microsoft.com/office/drawing/2014/main" xmlns="" id="{23E547B5-89CF-4EC0-96DE-25771AED0799}"/>
               </a:ext>
               <a:ext uri="{C183D7F6-B498-43B3-948B-1728B52AA6E4}">
-                <adec:decorative xmlns:adec="http://schemas.microsoft.com/office/drawing/2017/decorative" val="1"/>
+                <adec:decorative xmlns:adec="http://schemas.microsoft.com/office/drawing/2017/decorative" xmlns="" val="1"/>
               </a:ext>
             </a:extLst>
           </p:cNvPr>
@@ -6709,7 +6714,7 @@
           <p:nvPr>
             <p:extLst>
               <p:ext uri="{386F3935-93C4-4BCD-93E2-E3B085C9AB24}">
-                <p16:designElem xmlns:p16="http://schemas.microsoft.com/office/powerpoint/2015/main" val="1"/>
+                <p16:designElem xmlns:p16="http://schemas.microsoft.com/office/powerpoint/2015/main" xmlns="" val="1"/>
               </p:ext>
             </p:extLst>
           </p:nvPr>
@@ -6772,10 +6777,10 @@
           <p:cNvPr id="14" name="Rectangle 13">
             <a:extLst>
               <a:ext uri="{FF2B5EF4-FFF2-40B4-BE49-F238E27FC236}">
-                <a16:creationId xmlns:a16="http://schemas.microsoft.com/office/drawing/2014/main" id="{B3437C99-FC8E-4311-B48A-F0C4C329B154}"/>
+                <a16:creationId xmlns:a16="http://schemas.microsoft.com/office/drawing/2014/main" xmlns="" id="{B3437C99-FC8E-4311-B48A-F0C4C329B154}"/>
               </a:ext>
               <a:ext uri="{C183D7F6-B498-43B3-948B-1728B52AA6E4}">
-                <adec:decorative xmlns:adec="http://schemas.microsoft.com/office/drawing/2017/decorative" val="1"/>
+                <adec:decorative xmlns:adec="http://schemas.microsoft.com/office/drawing/2017/decorative" xmlns="" val="1"/>
               </a:ext>
             </a:extLst>
           </p:cNvPr>
@@ -6785,7 +6790,7 @@
           <p:nvPr>
             <p:extLst>
               <p:ext uri="{386F3935-93C4-4BCD-93E2-E3B085C9AB24}">
-                <p16:designElem xmlns:p16="http://schemas.microsoft.com/office/powerpoint/2015/main" val="1"/>
+                <p16:designElem xmlns:p16="http://schemas.microsoft.com/office/powerpoint/2015/main" xmlns="" val="1"/>
               </p:ext>
             </p:extLst>
           </p:nvPr>
@@ -6837,7 +6842,7 @@
           <p:cNvPr id="2" name="Title 1">
             <a:extLst>
               <a:ext uri="{FF2B5EF4-FFF2-40B4-BE49-F238E27FC236}">
-                <a16:creationId xmlns:a16="http://schemas.microsoft.com/office/drawing/2014/main" id="{123433E8-6C2C-AE29-7D58-86F286161D40}"/>
+                <a16:creationId xmlns:a16="http://schemas.microsoft.com/office/drawing/2014/main" xmlns="" id="{123433E8-6C2C-AE29-7D58-86F286161D40}"/>
               </a:ext>
             </a:extLst>
           </p:cNvPr>
@@ -6861,7 +6866,7 @@
           <a:lstStyle/>
           <a:p>
             <a:r>
-              <a:rPr lang="en-FI" dirty="0"/>
+              <a:rPr lang="x-none" dirty="0"/>
               <a:t>Solutions to challenges </a:t>
             </a:r>
           </a:p>
@@ -6872,7 +6877,7 @@
           <p:cNvPr id="3" name="Content Placeholder 2">
             <a:extLst>
               <a:ext uri="{FF2B5EF4-FFF2-40B4-BE49-F238E27FC236}">
-                <a16:creationId xmlns:a16="http://schemas.microsoft.com/office/drawing/2014/main" id="{6C6BFCAD-EE88-373D-4275-7759A2D2C43D}"/>
+                <a16:creationId xmlns:a16="http://schemas.microsoft.com/office/drawing/2014/main" xmlns="" id="{6C6BFCAD-EE88-373D-4275-7759A2D2C43D}"/>
               </a:ext>
             </a:extLst>
           </p:cNvPr>
@@ -6901,7 +6906,7 @@
               </a:lnSpc>
             </a:pPr>
             <a:r>
-              <a:rPr lang="en-FI" sz="1100" dirty="0"/>
+              <a:rPr lang="x-none" sz="1100" dirty="0"/>
               <a:t>GUI interfere python</a:t>
             </a:r>
           </a:p>
@@ -6914,7 +6919,7 @@
               <a:buChar char="•"/>
             </a:pPr>
             <a:r>
-              <a:rPr lang="en-FI" sz="1100" dirty="0"/>
+              <a:rPr lang="x-none" sz="1100" dirty="0"/>
               <a:t>We used relative measurements like percentages inste</a:t>
             </a:r>
             <a:r>
@@ -6922,7 +6927,7 @@
               <a:t>a</a:t>
             </a:r>
             <a:r>
-              <a:rPr lang="en-FI" sz="1100" dirty="0"/>
+              <a:rPr lang="x-none" sz="1100" dirty="0"/>
               <a:t>d of absolute values for positioning and sizing UI components.</a:t>
             </a:r>
           </a:p>
@@ -6935,7 +6940,7 @@
               <a:buChar char="•"/>
             </a:pPr>
             <a:r>
-              <a:rPr lang="en-FI" sz="1100" dirty="0"/>
+              <a:rPr lang="x-none" sz="1100" dirty="0"/>
               <a:t>We focused on the component scaling, for each component we made sure the remain usable and good looking</a:t>
             </a:r>
           </a:p>
@@ -6947,7 +6952,7 @@
               <a:buFont typeface="Arial" panose="020B0604020202020204" pitchFamily="34" charset="0"/>
               <a:buChar char="•"/>
             </a:pPr>
-            <a:endParaRPr lang="en-FI" sz="1100" dirty="0"/>
+            <a:endParaRPr lang="x-none" sz="1100" dirty="0"/>
           </a:p>
           <a:p>
             <a:pPr marL="617220" lvl="1" indent="-342900">
@@ -6958,7 +6963,7 @@
               <a:buChar char="•"/>
             </a:pPr>
             <a:r>
-              <a:rPr lang="en-FI" sz="1100" dirty="0"/>
+              <a:rPr lang="x-none" sz="1100" dirty="0"/>
               <a:t>Data Processing</a:t>
             </a:r>
           </a:p>
@@ -7045,7 +7050,7 @@
               <a:buFont typeface="Arial" panose="020B0604020202020204" pitchFamily="34" charset="0"/>
               <a:buChar char="•"/>
             </a:pPr>
-            <a:endParaRPr lang="en-FI" sz="1100" dirty="0"/>
+            <a:endParaRPr lang="x-none" sz="1100" dirty="0"/>
           </a:p>
           <a:p>
             <a:pPr marL="571500" indent="-342900">
@@ -7053,7 +7058,7 @@
                 <a:spcPct val="90000"/>
               </a:lnSpc>
             </a:pPr>
-            <a:endParaRPr lang="en-FI" sz="1100" dirty="0"/>
+            <a:endParaRPr lang="x-none" sz="1100" dirty="0"/>
           </a:p>
         </p:txBody>
       </p:sp>
@@ -7062,7 +7067,7 @@
           <p:cNvPr id="15" name="Picture 14" descr="Digital financial graph">
             <a:extLst>
               <a:ext uri="{FF2B5EF4-FFF2-40B4-BE49-F238E27FC236}">
-                <a16:creationId xmlns:a16="http://schemas.microsoft.com/office/drawing/2014/main" id="{FEABB3DC-F46F-15E1-4E62-B6050597EA2D}"/>
+                <a16:creationId xmlns:a16="http://schemas.microsoft.com/office/drawing/2014/main" xmlns="" id="{FEABB3DC-F46F-15E1-4E62-B6050597EA2D}"/>
               </a:ext>
             </a:extLst>
           </p:cNvPr>
@@ -7503,10 +7508,10 @@
           <p:cNvPr id="9" name="Rectangle 8">
             <a:extLst>
               <a:ext uri="{FF2B5EF4-FFF2-40B4-BE49-F238E27FC236}">
-                <a16:creationId xmlns:a16="http://schemas.microsoft.com/office/drawing/2014/main" id="{637B2035-1FCB-439A-B421-095E136C7E07}"/>
+                <a16:creationId xmlns:a16="http://schemas.microsoft.com/office/drawing/2014/main" xmlns="" id="{637B2035-1FCB-439A-B421-095E136C7E07}"/>
               </a:ext>
               <a:ext uri="{C183D7F6-B498-43B3-948B-1728B52AA6E4}">
-                <adec:decorative xmlns:adec="http://schemas.microsoft.com/office/drawing/2017/decorative" val="1"/>
+                <adec:decorative xmlns:adec="http://schemas.microsoft.com/office/drawing/2017/decorative" xmlns="" val="1"/>
               </a:ext>
             </a:extLst>
           </p:cNvPr>
@@ -7516,7 +7521,7 @@
           <p:nvPr>
             <p:extLst>
               <p:ext uri="{386F3935-93C4-4BCD-93E2-E3B085C9AB24}">
-                <p16:designElem xmlns:p16="http://schemas.microsoft.com/office/powerpoint/2015/main" val="1"/>
+                <p16:designElem xmlns:p16="http://schemas.microsoft.com/office/powerpoint/2015/main" xmlns="" val="1"/>
               </p:ext>
             </p:extLst>
           </p:nvPr>
@@ -7579,10 +7584,10 @@
           <p:cNvPr id="11" name="Rectangle 10">
             <a:extLst>
               <a:ext uri="{FF2B5EF4-FFF2-40B4-BE49-F238E27FC236}">
-                <a16:creationId xmlns:a16="http://schemas.microsoft.com/office/drawing/2014/main" id="{81CE2CF7-D5AA-4464-AC91-9ED1EA5D6389}"/>
+                <a16:creationId xmlns:a16="http://schemas.microsoft.com/office/drawing/2014/main" xmlns="" id="{81CE2CF7-D5AA-4464-AC91-9ED1EA5D6389}"/>
               </a:ext>
               <a:ext uri="{C183D7F6-B498-43B3-948B-1728B52AA6E4}">
-                <adec:decorative xmlns:adec="http://schemas.microsoft.com/office/drawing/2017/decorative" val="1"/>
+                <adec:decorative xmlns:adec="http://schemas.microsoft.com/office/drawing/2017/decorative" xmlns="" val="1"/>
               </a:ext>
             </a:extLst>
           </p:cNvPr>
@@ -7592,7 +7597,7 @@
           <p:nvPr>
             <p:extLst>
               <p:ext uri="{386F3935-93C4-4BCD-93E2-E3B085C9AB24}">
-                <p16:designElem xmlns:p16="http://schemas.microsoft.com/office/powerpoint/2015/main" val="1"/>
+                <p16:designElem xmlns:p16="http://schemas.microsoft.com/office/powerpoint/2015/main" xmlns="" val="1"/>
               </p:ext>
             </p:extLst>
           </p:nvPr>
@@ -7644,7 +7649,7 @@
           <p:cNvPr id="2" name="Title 1">
             <a:extLst>
               <a:ext uri="{FF2B5EF4-FFF2-40B4-BE49-F238E27FC236}">
-                <a16:creationId xmlns:a16="http://schemas.microsoft.com/office/drawing/2014/main" id="{3169E790-A570-B0D9-35F6-49027A0450EA}"/>
+                <a16:creationId xmlns:a16="http://schemas.microsoft.com/office/drawing/2014/main" xmlns="" id="{3169E790-A570-B0D9-35F6-49027A0450EA}"/>
               </a:ext>
             </a:extLst>
           </p:cNvPr>
@@ -7672,7 +7677,7 @@
               <a:t>W</a:t>
             </a:r>
             <a:r>
-              <a:rPr lang="en-FI" dirty="0"/>
+              <a:rPr lang="x-none" dirty="0"/>
               <a:t>hat Have we learned?</a:t>
             </a:r>
           </a:p>
@@ -7683,7 +7688,7 @@
           <p:cNvPr id="5" name="Picture 4" descr="Working space background">
             <a:extLst>
               <a:ext uri="{FF2B5EF4-FFF2-40B4-BE49-F238E27FC236}">
-                <a16:creationId xmlns:a16="http://schemas.microsoft.com/office/drawing/2014/main" id="{63889776-5AC0-DAE9-0F59-25331DE109A3}"/>
+                <a16:creationId xmlns:a16="http://schemas.microsoft.com/office/drawing/2014/main" xmlns="" id="{63889776-5AC0-DAE9-0F59-25331DE109A3}"/>
               </a:ext>
             </a:extLst>
           </p:cNvPr>
@@ -8231,7 +8236,7 @@
           <p:cNvPr id="3" name="Content Placeholder 2">
             <a:extLst>
               <a:ext uri="{FF2B5EF4-FFF2-40B4-BE49-F238E27FC236}">
-                <a16:creationId xmlns:a16="http://schemas.microsoft.com/office/drawing/2014/main" id="{EE2CDDA7-1619-8078-E1C6-D1EDC3558940}"/>
+                <a16:creationId xmlns:a16="http://schemas.microsoft.com/office/drawing/2014/main" xmlns="" id="{EE2CDDA7-1619-8078-E1C6-D1EDC3558940}"/>
               </a:ext>
             </a:extLst>
           </p:cNvPr>
@@ -8255,7 +8260,7 @@
           <a:lstStyle/>
           <a:p>
             <a:r>
-              <a:rPr lang="en-FI" dirty="0"/>
+              <a:rPr lang="x-none" dirty="0"/>
               <a:t>From the project we have learned a lot of things including</a:t>
             </a:r>
           </a:p>
@@ -8265,7 +8270,7 @@
               <a:buAutoNum type="arabicPeriod"/>
             </a:pPr>
             <a:r>
-              <a:rPr lang="en-FI" dirty="0"/>
+              <a:rPr lang="x-none" dirty="0"/>
               <a:t>pyQT5</a:t>
             </a:r>
           </a:p>
@@ -8275,7 +8280,7 @@
               <a:buAutoNum type="arabicPeriod"/>
             </a:pPr>
             <a:r>
-              <a:rPr lang="en-FI" dirty="0"/>
+              <a:rPr lang="x-none" dirty="0"/>
               <a:t>Team management: how we can work as a team and make a thing work</a:t>
             </a:r>
           </a:p>
@@ -8285,7 +8290,7 @@
               <a:buAutoNum type="arabicPeriod"/>
             </a:pPr>
             <a:r>
-              <a:rPr lang="en-FI" dirty="0"/>
+              <a:rPr lang="x-none" dirty="0"/>
               <a:t>Low stock alert design; We have successfully programmed an application where it will alert the system when an ingredients go below threshold level after use</a:t>
             </a:r>
           </a:p>
@@ -8299,7 +8304,7 @@
               <a:t>H</a:t>
             </a:r>
             <a:r>
-              <a:rPr lang="en-FI" dirty="0"/>
+              <a:rPr lang="x-none" dirty="0"/>
               <a:t>ow does the inventory of a restaurant work and its management.</a:t>
             </a:r>
           </a:p>
@@ -8308,7 +8313,7 @@
               <a:buFont typeface="+mj-lt"/>
               <a:buAutoNum type="arabicPeriod"/>
             </a:pPr>
-            <a:endParaRPr lang="en-FI" dirty="0"/>
+            <a:endParaRPr lang="x-none" dirty="0"/>
           </a:p>
         </p:txBody>
       </p:sp>
@@ -8355,10 +8360,10 @@
           <p:cNvPr id="10" name="Picture 9">
             <a:extLst>
               <a:ext uri="{FF2B5EF4-FFF2-40B4-BE49-F238E27FC236}">
-                <a16:creationId xmlns:a16="http://schemas.microsoft.com/office/drawing/2014/main" id="{DEB2E8C4-C3E7-4048-A43D-9859510CFA98}"/>
+                <a16:creationId xmlns:a16="http://schemas.microsoft.com/office/drawing/2014/main" xmlns="" id="{DEB2E8C4-C3E7-4048-A43D-9859510CFA98}"/>
               </a:ext>
               <a:ext uri="{C183D7F6-B498-43B3-948B-1728B52AA6E4}">
-                <adec:decorative xmlns:adec="http://schemas.microsoft.com/office/drawing/2017/decorative" val="1"/>
+                <adec:decorative xmlns:adec="http://schemas.microsoft.com/office/drawing/2017/decorative" xmlns="" val="1"/>
               </a:ext>
             </a:extLst>
           </p:cNvPr>
@@ -8368,7 +8373,7 @@
           <p:nvPr>
             <p:extLst>
               <p:ext uri="{386F3935-93C4-4BCD-93E2-E3B085C9AB24}">
-                <p16:designElem xmlns:p16="http://schemas.microsoft.com/office/powerpoint/2015/main" val="1"/>
+                <p16:designElem xmlns:p16="http://schemas.microsoft.com/office/powerpoint/2015/main" xmlns="" val="1"/>
               </p:ext>
             </p:extLst>
           </p:nvPr>
@@ -8395,17 +8400,17 @@
           </a:prstGeom>
         </p:spPr>
       </p:pic>
-      <mc:AlternateContent xmlns:mc="http://schemas.openxmlformats.org/markup-compatibility/2006">
-        <mc:Choice xmlns:p14="http://schemas.microsoft.com/office/powerpoint/2010/main" Requires="p14">
+      <mc:AlternateContent xmlns:mc="http://schemas.openxmlformats.org/markup-compatibility/2006" xmlns:p14="http://schemas.microsoft.com/office/powerpoint/2010/main">
+        <mc:Choice Requires="p14">
           <p:contentPart p14:bwMode="auto" r:id="rId3">
             <p14:nvContentPartPr>
               <p14:cNvPr id="12" name="Ink 11">
                 <a:extLst>
                   <a:ext uri="{FF2B5EF4-FFF2-40B4-BE49-F238E27FC236}">
-                    <a16:creationId xmlns:a16="http://schemas.microsoft.com/office/drawing/2014/main" id="{24D29CCB-7956-4E3E-8880-304085F04BF4}"/>
+                    <a16:creationId xmlns:a16="http://schemas.microsoft.com/office/drawing/2014/main" xmlns="" id="{24D29CCB-7956-4E3E-8880-304085F04BF4}"/>
                   </a:ext>
                   <a:ext uri="{C183D7F6-B498-43B3-948B-1728B52AA6E4}">
-                    <adec:decorative xmlns:adec="http://schemas.microsoft.com/office/drawing/2017/decorative" val="1"/>
+                    <adec:decorative xmlns:adec="http://schemas.microsoft.com/office/drawing/2017/decorative" xmlns="" val="1"/>
                   </a:ext>
                 </a:extLst>
               </p14:cNvPr>
@@ -8415,7 +8420,7 @@
               <p14:nvPr>
                 <p:extLst>
                   <p:ext uri="{386F3935-93C4-4BCD-93E2-E3B085C9AB24}">
-                    <p16:designElem xmlns:p16="http://schemas.microsoft.com/office/powerpoint/2015/main" val="1"/>
+                    <p16:designElem xmlns:p16="http://schemas.microsoft.com/office/powerpoint/2015/main" xmlns="" val="1"/>
                   </p:ext>
                 </p:extLst>
               </p14:nvPr>
@@ -8426,7 +8431,7 @@
             </p14:xfrm>
           </p:contentPart>
         </mc:Choice>
-        <mc:Fallback>
+        <mc:Fallback xmlns="">
           <p:pic>
             <p:nvPicPr>
               <p:cNvPr id="12" name="Ink 11">
@@ -8467,10 +8472,10 @@
           <p:cNvPr id="14" name="Rectangle 13">
             <a:extLst>
               <a:ext uri="{FF2B5EF4-FFF2-40B4-BE49-F238E27FC236}">
-                <a16:creationId xmlns:a16="http://schemas.microsoft.com/office/drawing/2014/main" id="{8EF7D2E8-5F8A-4E0B-9647-8072A94A09CA}"/>
+                <a16:creationId xmlns:a16="http://schemas.microsoft.com/office/drawing/2014/main" xmlns="" id="{8EF7D2E8-5F8A-4E0B-9647-8072A94A09CA}"/>
               </a:ext>
               <a:ext uri="{C183D7F6-B498-43B3-948B-1728B52AA6E4}">
-                <adec:decorative xmlns:adec="http://schemas.microsoft.com/office/drawing/2017/decorative" val="1"/>
+                <adec:decorative xmlns:adec="http://schemas.microsoft.com/office/drawing/2017/decorative" xmlns="" val="1"/>
               </a:ext>
             </a:extLst>
           </p:cNvPr>
@@ -8480,7 +8485,7 @@
           <p:nvPr>
             <p:extLst>
               <p:ext uri="{386F3935-93C4-4BCD-93E2-E3B085C9AB24}">
-                <p16:designElem xmlns:p16="http://schemas.microsoft.com/office/powerpoint/2015/main" val="1"/>
+                <p16:designElem xmlns:p16="http://schemas.microsoft.com/office/powerpoint/2015/main" xmlns="" val="1"/>
               </p:ext>
             </p:extLst>
           </p:nvPr>
@@ -8543,10 +8548,10 @@
           <p:cNvPr id="16" name="Freeform: Shape 15">
             <a:extLst>
               <a:ext uri="{FF2B5EF4-FFF2-40B4-BE49-F238E27FC236}">
-                <a16:creationId xmlns:a16="http://schemas.microsoft.com/office/drawing/2014/main" id="{86A6E2CC-84C1-424C-A664-BC849F6D0AC7}"/>
+                <a16:creationId xmlns:a16="http://schemas.microsoft.com/office/drawing/2014/main" xmlns="" id="{86A6E2CC-84C1-424C-A664-BC849F6D0AC7}"/>
               </a:ext>
               <a:ext uri="{C183D7F6-B498-43B3-948B-1728B52AA6E4}">
-                <adec:decorative xmlns:adec="http://schemas.microsoft.com/office/drawing/2017/decorative" val="1"/>
+                <adec:decorative xmlns:adec="http://schemas.microsoft.com/office/drawing/2017/decorative" xmlns="" val="1"/>
               </a:ext>
             </a:extLst>
           </p:cNvPr>
@@ -8556,7 +8561,7 @@
           <p:nvPr>
             <p:extLst>
               <p:ext uri="{386F3935-93C4-4BCD-93E2-E3B085C9AB24}">
-                <p16:designElem xmlns:p16="http://schemas.microsoft.com/office/powerpoint/2015/main" val="1"/>
+                <p16:designElem xmlns:p16="http://schemas.microsoft.com/office/powerpoint/2015/main" xmlns="" val="1"/>
               </p:ext>
             </p:extLst>
           </p:nvPr>
@@ -10314,7 +10319,7 @@
           <p:cNvPr id="2" name="Title 1">
             <a:extLst>
               <a:ext uri="{FF2B5EF4-FFF2-40B4-BE49-F238E27FC236}">
-                <a16:creationId xmlns:a16="http://schemas.microsoft.com/office/drawing/2014/main" id="{C64C7479-726E-96B4-AB74-B0EEAC37C4AA}"/>
+                <a16:creationId xmlns:a16="http://schemas.microsoft.com/office/drawing/2014/main" xmlns="" id="{C64C7479-726E-96B4-AB74-B0EEAC37C4AA}"/>
               </a:ext>
             </a:extLst>
           </p:cNvPr>
@@ -10350,7 +10355,7 @@
           <p:cNvPr id="7" name="Graphic 6" descr="Smiling Face with No Fill">
             <a:extLst>
               <a:ext uri="{FF2B5EF4-FFF2-40B4-BE49-F238E27FC236}">
-                <a16:creationId xmlns:a16="http://schemas.microsoft.com/office/drawing/2014/main" id="{C7C5AFFD-B025-B75A-4260-8CEF6688E32F}"/>
+                <a16:creationId xmlns:a16="http://schemas.microsoft.com/office/drawing/2014/main" xmlns="" id="{C7C5AFFD-B025-B75A-4260-8CEF6688E32F}"/>
               </a:ext>
             </a:extLst>
           </p:cNvPr>
@@ -10366,7 +10371,7 @@
                 <a14:useLocalDpi xmlns:a14="http://schemas.microsoft.com/office/drawing/2010/main" val="0"/>
               </a:ext>
               <a:ext uri="{96DAC541-7B7A-43D3-8B79-37D633B846F1}">
-                <asvg:svgBlip xmlns:asvg="http://schemas.microsoft.com/office/drawing/2016/SVG/main" r:embed="rId6"/>
+                <asvg:svgBlip xmlns:asvg="http://schemas.microsoft.com/office/drawing/2016/SVG/main" xmlns="" r:embed="rId6"/>
               </a:ext>
             </a:extLst>
           </a:blip>
